--- a/presentations/cybersec5G.pptx
+++ b/presentations/cybersec5G.pptx
@@ -269,7 +269,7 @@
           <a:p>
             <a:fld id="{5B36DBF5-1371-4F18-96EB-69919719C00D}" type="datetimeFigureOut">
               <a:rPr lang="en-GB" smtClean="0"/>
-              <a:t>28/11/2018</a:t>
+              <a:t>29/11/2018</a:t>
             </a:fld>
             <a:endParaRPr lang="en-GB"/>
           </a:p>
@@ -439,7 +439,7 @@
           <a:p>
             <a:fld id="{5B36DBF5-1371-4F18-96EB-69919719C00D}" type="datetimeFigureOut">
               <a:rPr lang="en-GB" smtClean="0"/>
-              <a:t>28/11/2018</a:t>
+              <a:t>29/11/2018</a:t>
             </a:fld>
             <a:endParaRPr lang="en-GB"/>
           </a:p>
@@ -619,7 +619,7 @@
           <a:p>
             <a:fld id="{5B36DBF5-1371-4F18-96EB-69919719C00D}" type="datetimeFigureOut">
               <a:rPr lang="en-GB" smtClean="0"/>
-              <a:t>28/11/2018</a:t>
+              <a:t>29/11/2018</a:t>
             </a:fld>
             <a:endParaRPr lang="en-GB"/>
           </a:p>
@@ -789,7 +789,7 @@
           <a:p>
             <a:fld id="{5B36DBF5-1371-4F18-96EB-69919719C00D}" type="datetimeFigureOut">
               <a:rPr lang="en-GB" smtClean="0"/>
-              <a:t>28/11/2018</a:t>
+              <a:t>29/11/2018</a:t>
             </a:fld>
             <a:endParaRPr lang="en-GB"/>
           </a:p>
@@ -1035,7 +1035,7 @@
           <a:p>
             <a:fld id="{5B36DBF5-1371-4F18-96EB-69919719C00D}" type="datetimeFigureOut">
               <a:rPr lang="en-GB" smtClean="0"/>
-              <a:t>28/11/2018</a:t>
+              <a:t>29/11/2018</a:t>
             </a:fld>
             <a:endParaRPr lang="en-GB"/>
           </a:p>
@@ -1267,7 +1267,7 @@
           <a:p>
             <a:fld id="{5B36DBF5-1371-4F18-96EB-69919719C00D}" type="datetimeFigureOut">
               <a:rPr lang="en-GB" smtClean="0"/>
-              <a:t>28/11/2018</a:t>
+              <a:t>29/11/2018</a:t>
             </a:fld>
             <a:endParaRPr lang="en-GB"/>
           </a:p>
@@ -1634,7 +1634,7 @@
           <a:p>
             <a:fld id="{5B36DBF5-1371-4F18-96EB-69919719C00D}" type="datetimeFigureOut">
               <a:rPr lang="en-GB" smtClean="0"/>
-              <a:t>28/11/2018</a:t>
+              <a:t>29/11/2018</a:t>
             </a:fld>
             <a:endParaRPr lang="en-GB"/>
           </a:p>
@@ -1752,7 +1752,7 @@
           <a:p>
             <a:fld id="{5B36DBF5-1371-4F18-96EB-69919719C00D}" type="datetimeFigureOut">
               <a:rPr lang="en-GB" smtClean="0"/>
-              <a:t>28/11/2018</a:t>
+              <a:t>29/11/2018</a:t>
             </a:fld>
             <a:endParaRPr lang="en-GB"/>
           </a:p>
@@ -1847,7 +1847,7 @@
           <a:p>
             <a:fld id="{5B36DBF5-1371-4F18-96EB-69919719C00D}" type="datetimeFigureOut">
               <a:rPr lang="en-GB" smtClean="0"/>
-              <a:t>28/11/2018</a:t>
+              <a:t>29/11/2018</a:t>
             </a:fld>
             <a:endParaRPr lang="en-GB"/>
           </a:p>
@@ -2124,7 +2124,7 @@
           <a:p>
             <a:fld id="{5B36DBF5-1371-4F18-96EB-69919719C00D}" type="datetimeFigureOut">
               <a:rPr lang="en-GB" smtClean="0"/>
-              <a:t>28/11/2018</a:t>
+              <a:t>29/11/2018</a:t>
             </a:fld>
             <a:endParaRPr lang="en-GB"/>
           </a:p>
@@ -2377,7 +2377,7 @@
           <a:p>
             <a:fld id="{5B36DBF5-1371-4F18-96EB-69919719C00D}" type="datetimeFigureOut">
               <a:rPr lang="en-GB" smtClean="0"/>
-              <a:t>28/11/2018</a:t>
+              <a:t>29/11/2018</a:t>
             </a:fld>
             <a:endParaRPr lang="en-GB"/>
           </a:p>
@@ -2590,7 +2590,7 @@
           <a:p>
             <a:fld id="{5B36DBF5-1371-4F18-96EB-69919719C00D}" type="datetimeFigureOut">
               <a:rPr lang="en-GB" smtClean="0"/>
-              <a:t>28/11/2018</a:t>
+              <a:t>29/11/2018</a:t>
             </a:fld>
             <a:endParaRPr lang="en-GB"/>
           </a:p>
@@ -3372,7 +3372,7 @@
         <p:spPr>
           <a:xfrm>
             <a:off x="5062643" y="254621"/>
-            <a:ext cx="3979166" cy="646331"/>
+            <a:ext cx="4331314" cy="646331"/>
           </a:xfrm>
           <a:prstGeom prst="rect">
             <a:avLst/>
@@ -3390,6 +3390,8 @@
                 <a:solidFill>
                   <a:srgbClr val="2FB5A5"/>
                 </a:solidFill>
+                <a:latin typeface="Times New Roman" panose="02020603050405020304" pitchFamily="18" charset="0"/>
+                <a:cs typeface="Times New Roman" panose="02020603050405020304" pitchFamily="18" charset="0"/>
               </a:rPr>
               <a:t>Background…cont’d</a:t>
             </a:r>
@@ -3397,8 +3399,8 @@
               <a:solidFill>
                 <a:srgbClr val="2FB5A5"/>
               </a:solidFill>
-              <a:latin typeface="Arial" panose="020B0604020202020204" pitchFamily="34" charset="0"/>
-              <a:cs typeface="Arial" panose="020B0604020202020204" pitchFamily="34" charset="0"/>
+              <a:latin typeface="Times New Roman" panose="02020603050405020304" pitchFamily="18" charset="0"/>
+              <a:cs typeface="Times New Roman" panose="02020603050405020304" pitchFamily="18" charset="0"/>
             </a:endParaRPr>
           </a:p>
         </p:txBody>
@@ -3631,7 +3633,7 @@
         <p:spPr>
           <a:xfrm>
             <a:off x="151264" y="1035422"/>
-            <a:ext cx="11897301" cy="4424084"/>
+            <a:ext cx="11897301" cy="3970318"/>
           </a:xfrm>
           <a:prstGeom prst="rect">
             <a:avLst/>
@@ -3645,52 +3647,52 @@
           <a:p>
             <a:r>
               <a:rPr lang="en-US" sz="2800" dirty="0">
-                <a:latin typeface="Arial" panose="020B0604020202020204" pitchFamily="34" charset="0"/>
-                <a:cs typeface="Arial" panose="020B0604020202020204" pitchFamily="34" charset="0"/>
+                <a:latin typeface="Times New Roman" panose="02020603050405020304" pitchFamily="18" charset="0"/>
+                <a:cs typeface="Times New Roman" panose="02020603050405020304" pitchFamily="18" charset="0"/>
               </a:rPr>
               <a:t>The increasing demands for real-time communication/ streaming services , VR and AR, NFC, smart grid and </a:t>
             </a:r>
             <a:r>
               <a:rPr lang="en-US" sz="2800" dirty="0" err="1">
-                <a:latin typeface="Arial" panose="020B0604020202020204" pitchFamily="34" charset="0"/>
-                <a:cs typeface="Arial" panose="020B0604020202020204" pitchFamily="34" charset="0"/>
+                <a:latin typeface="Times New Roman" panose="02020603050405020304" pitchFamily="18" charset="0"/>
+                <a:cs typeface="Times New Roman" panose="02020603050405020304" pitchFamily="18" charset="0"/>
               </a:rPr>
               <a:t>IoT</a:t>
             </a:r>
             <a:r>
               <a:rPr lang="en-US" sz="2800" dirty="0">
-                <a:latin typeface="Arial" panose="020B0604020202020204" pitchFamily="34" charset="0"/>
-                <a:cs typeface="Arial" panose="020B0604020202020204" pitchFamily="34" charset="0"/>
+                <a:latin typeface="Times New Roman" panose="02020603050405020304" pitchFamily="18" charset="0"/>
+                <a:cs typeface="Times New Roman" panose="02020603050405020304" pitchFamily="18" charset="0"/>
               </a:rPr>
               <a:t>/ IoE that put all kinds of data on a network from health, agriculture, education, </a:t>
             </a:r>
             <a:r>
-              <a:rPr lang="en-US" sz="2800" dirty="0" err="1">
-                <a:latin typeface="Arial" panose="020B0604020202020204" pitchFamily="34" charset="0"/>
-                <a:cs typeface="Arial" panose="020B0604020202020204" pitchFamily="34" charset="0"/>
-              </a:rPr>
-              <a:t>etc</a:t>
+              <a:rPr lang="en-US" sz="2800" dirty="0" smtClean="0">
+                <a:latin typeface="Times New Roman" panose="02020603050405020304" pitchFamily="18" charset="0"/>
+                <a:cs typeface="Times New Roman" panose="02020603050405020304" pitchFamily="18" charset="0"/>
+              </a:rPr>
+              <a:t>etc. </a:t>
             </a:r>
             <a:r>
               <a:rPr lang="en-US" sz="2800" dirty="0">
-                <a:latin typeface="Arial" panose="020B0604020202020204" pitchFamily="34" charset="0"/>
-                <a:cs typeface="Arial" panose="020B0604020202020204" pitchFamily="34" charset="0"/>
-              </a:rPr>
-              <a:t> and the effort of the government to digitize all communication, and </a:t>
-            </a:r>
-            <a:r>
-              <a:rPr lang="en-US" sz="2800" dirty="0" err="1">
-                <a:latin typeface="Arial" panose="020B0604020202020204" pitchFamily="34" charset="0"/>
-                <a:cs typeface="Arial" panose="020B0604020202020204" pitchFamily="34" charset="0"/>
-              </a:rPr>
-              <a:t>aslo</a:t>
+                <a:latin typeface="Times New Roman" panose="02020603050405020304" pitchFamily="18" charset="0"/>
+                <a:cs typeface="Times New Roman" panose="02020603050405020304" pitchFamily="18" charset="0"/>
+              </a:rPr>
+              <a:t>and the effort of the government to digitize all communication, and </a:t>
+            </a:r>
+            <a:r>
+              <a:rPr lang="en-US" sz="2800" dirty="0" smtClean="0">
+                <a:latin typeface="Times New Roman" panose="02020603050405020304" pitchFamily="18" charset="0"/>
+                <a:cs typeface="Times New Roman" panose="02020603050405020304" pitchFamily="18" charset="0"/>
+              </a:rPr>
+              <a:t>also </a:t>
             </a:r>
             <a:r>
               <a:rPr lang="en-US" sz="2800" dirty="0">
-                <a:latin typeface="Arial" panose="020B0604020202020204" pitchFamily="34" charset="0"/>
-                <a:cs typeface="Arial" panose="020B0604020202020204" pitchFamily="34" charset="0"/>
-              </a:rPr>
-              <a:t> the increasing electronic money transfers, all these generate huge amounts of data, hence Big-data, this poses a problem that preambles security of networks, I have singled out cyber-security to be my center of my discussion, research and inquiry, all said, the security of the huge amounts of data put on the network; in transit, and in cloud and other storage servers on the network has to be handled with great concern.</a:t>
+                <a:latin typeface="Times New Roman" panose="02020603050405020304" pitchFamily="18" charset="0"/>
+                <a:cs typeface="Times New Roman" panose="02020603050405020304" pitchFamily="18" charset="0"/>
+              </a:rPr>
+              <a:t>the increasing electronic money transfers, all these generate huge amounts of data, hence Big-data, this poses a problem that preambles security of networks, I have singled out cyber-security to be my center of my discussion, research and inquiry, all said, the security of the huge amounts of data put on the network; in transit, and in cloud and other storage servers on the network has to be handled with great concern.</a:t>
             </a:r>
           </a:p>
         </p:txBody>
@@ -3704,7 +3706,7 @@
         <p:spPr>
           <a:xfrm>
             <a:off x="4901420" y="271581"/>
-            <a:ext cx="3874779" cy="584775"/>
+            <a:ext cx="3492238" cy="584775"/>
           </a:xfrm>
           <a:prstGeom prst="rect">
             <a:avLst/>
@@ -3721,13 +3723,16 @@
                 <a:solidFill>
                   <a:srgbClr val="2FB5A5"/>
                 </a:solidFill>
-                <a:latin typeface="Arial" panose="020B0604020202020204" pitchFamily="34" charset="0"/>
+                <a:latin typeface="Times New Roman" panose="02020603050405020304" pitchFamily="18" charset="0"/>
                 <a:ea typeface="Times New Roman" panose="02020603050405020304" pitchFamily="18" charset="0"/>
-                <a:cs typeface="Arial" panose="020B0604020202020204" pitchFamily="34" charset="0"/>
+                <a:cs typeface="Times New Roman" panose="02020603050405020304" pitchFamily="18" charset="0"/>
               </a:rPr>
               <a:t>Problem statement</a:t>
             </a:r>
-            <a:endParaRPr lang="en-GB" sz="3200" dirty="0"/>
+            <a:endParaRPr lang="en-GB" sz="3200" dirty="0">
+              <a:latin typeface="Times New Roman" panose="02020603050405020304" pitchFamily="18" charset="0"/>
+              <a:cs typeface="Times New Roman" panose="02020603050405020304" pitchFamily="18" charset="0"/>
+            </a:endParaRPr>
           </a:p>
         </p:txBody>
       </p:sp>
@@ -3959,7 +3964,7 @@
         <p:spPr>
           <a:xfrm>
             <a:off x="4998326" y="254622"/>
-            <a:ext cx="2195345" cy="646331"/>
+            <a:ext cx="2262158" cy="646331"/>
           </a:xfrm>
           <a:prstGeom prst="rect">
             <a:avLst/>
@@ -3977,6 +3982,8 @@
                 <a:solidFill>
                   <a:srgbClr val="2FB5A5"/>
                 </a:solidFill>
+                <a:latin typeface="Times New Roman" panose="02020603050405020304" pitchFamily="18" charset="0"/>
+                <a:cs typeface="Times New Roman" panose="02020603050405020304" pitchFamily="18" charset="0"/>
               </a:rPr>
               <a:t>Objectives</a:t>
             </a:r>
@@ -3984,6 +3991,8 @@
               <a:solidFill>
                 <a:srgbClr val="2FB5A5"/>
               </a:solidFill>
+              <a:latin typeface="Times New Roman" panose="02020603050405020304" pitchFamily="18" charset="0"/>
+              <a:cs typeface="Times New Roman" panose="02020603050405020304" pitchFamily="18" charset="0"/>
             </a:endParaRPr>
           </a:p>
         </p:txBody>
@@ -4015,50 +4024,82 @@
                 <a:solidFill>
                   <a:srgbClr val="2FB5A5"/>
                 </a:solidFill>
+                <a:latin typeface="Times New Roman" panose="02020603050405020304" pitchFamily="18" charset="0"/>
+                <a:cs typeface="Times New Roman" panose="02020603050405020304" pitchFamily="18" charset="0"/>
               </a:rPr>
               <a:t>Specific Objectives;</a:t>
             </a:r>
           </a:p>
           <a:p>
             <a:r>
-              <a:rPr lang="en-US" sz="3200" dirty="0" smtClean="0"/>
+              <a:rPr lang="en-US" sz="3200" dirty="0" smtClean="0">
+                <a:latin typeface="Times New Roman" panose="02020603050405020304" pitchFamily="18" charset="0"/>
+                <a:cs typeface="Times New Roman" panose="02020603050405020304" pitchFamily="18" charset="0"/>
+              </a:rPr>
               <a:t>To develop two MATLAB Applications; one that hinds the characters of a password </a:t>
             </a:r>
             <a:r>
-              <a:rPr lang="en-US" sz="3200" dirty="0"/>
+              <a:rPr lang="en-US" sz="3200" dirty="0">
+                <a:latin typeface="Times New Roman" panose="02020603050405020304" pitchFamily="18" charset="0"/>
+                <a:cs typeface="Times New Roman" panose="02020603050405020304" pitchFamily="18" charset="0"/>
+              </a:rPr>
               <a:t>on </a:t>
             </a:r>
             <a:r>
-              <a:rPr lang="en-US" sz="3200" dirty="0" smtClean="0"/>
+              <a:rPr lang="en-US" sz="3200" dirty="0" smtClean="0">
+                <a:latin typeface="Times New Roman" panose="02020603050405020304" pitchFamily="18" charset="0"/>
+                <a:cs typeface="Times New Roman" panose="02020603050405020304" pitchFamily="18" charset="0"/>
+              </a:rPr>
               <a:t>login, and another that generates </a:t>
             </a:r>
             <a:r>
-              <a:rPr lang="en-US" sz="3200" dirty="0"/>
+              <a:rPr lang="en-US" sz="3200" dirty="0">
+                <a:latin typeface="Times New Roman" panose="02020603050405020304" pitchFamily="18" charset="0"/>
+                <a:cs typeface="Times New Roman" panose="02020603050405020304" pitchFamily="18" charset="0"/>
+              </a:rPr>
               <a:t>munged passwords</a:t>
             </a:r>
-            <a:endParaRPr lang="en-US" sz="3200" dirty="0" smtClean="0"/>
-          </a:p>
-          <a:p>
-            <a:r>
-              <a:rPr lang="en-US" sz="3200" dirty="0" smtClean="0"/>
+            <a:endParaRPr lang="en-US" sz="3200" dirty="0" smtClean="0">
+              <a:latin typeface="Times New Roman" panose="02020603050405020304" pitchFamily="18" charset="0"/>
+              <a:cs typeface="Times New Roman" panose="02020603050405020304" pitchFamily="18" charset="0"/>
+            </a:endParaRPr>
+          </a:p>
+          <a:p>
+            <a:r>
+              <a:rPr lang="en-US" sz="3200" dirty="0" smtClean="0">
+                <a:latin typeface="Times New Roman" panose="02020603050405020304" pitchFamily="18" charset="0"/>
+                <a:cs typeface="Times New Roman" panose="02020603050405020304" pitchFamily="18" charset="0"/>
+              </a:rPr>
               <a:t>To carry out research on encryption algorithms of wireless networks</a:t>
             </a:r>
           </a:p>
           <a:p>
             <a:r>
-              <a:rPr lang="en-US" sz="3200" dirty="0" smtClean="0"/>
+              <a:rPr lang="en-US" sz="3200" dirty="0" smtClean="0">
+                <a:latin typeface="Times New Roman" panose="02020603050405020304" pitchFamily="18" charset="0"/>
+                <a:cs typeface="Times New Roman" panose="02020603050405020304" pitchFamily="18" charset="0"/>
+              </a:rPr>
               <a:t>To carry out research on 5G, IoT and Cloud network architecture.</a:t>
             </a:r>
           </a:p>
           <a:p>
             <a:r>
-              <a:rPr lang="en-US" sz="3200" dirty="0" smtClean="0"/>
+              <a:rPr lang="en-US" sz="3200" dirty="0" smtClean="0">
+                <a:latin typeface="Times New Roman" panose="02020603050405020304" pitchFamily="18" charset="0"/>
+                <a:cs typeface="Times New Roman" panose="02020603050405020304" pitchFamily="18" charset="0"/>
+              </a:rPr>
               <a:t>To carry out research on cyber security policies.</a:t>
             </a:r>
-            <a:endParaRPr lang="en-US" sz="3200" dirty="0"/>
-          </a:p>
-          <a:p>
-            <a:endParaRPr lang="en-US" sz="3600" dirty="0"/>
+            <a:endParaRPr lang="en-US" sz="3200" dirty="0">
+              <a:latin typeface="Times New Roman" panose="02020603050405020304" pitchFamily="18" charset="0"/>
+              <a:cs typeface="Times New Roman" panose="02020603050405020304" pitchFamily="18" charset="0"/>
+            </a:endParaRPr>
+          </a:p>
+          <a:p>
+            <a:endParaRPr lang="en-US" sz="3600" dirty="0">
+              <a:latin typeface="Times New Roman" panose="02020603050405020304" pitchFamily="18" charset="0"/>
+              <a:cs typeface="Times New Roman" panose="02020603050405020304" pitchFamily="18" charset="0"/>
+            </a:endParaRPr>
           </a:p>
         </p:txBody>
       </p:sp>
@@ -4089,6 +4130,8 @@
                 <a:solidFill>
                   <a:srgbClr val="2FB5A5"/>
                 </a:solidFill>
+                <a:latin typeface="Times New Roman" panose="02020603050405020304" pitchFamily="18" charset="0"/>
+                <a:cs typeface="Times New Roman" panose="02020603050405020304" pitchFamily="18" charset="0"/>
               </a:rPr>
               <a:t>General Objectives;</a:t>
             </a:r>
@@ -4100,23 +4143,38 @@
               </a:spcAft>
             </a:pPr>
             <a:r>
-              <a:rPr lang="en-US" sz="2800" b="1" dirty="0"/>
+              <a:rPr lang="en-US" sz="2800" dirty="0">
+                <a:latin typeface="Times New Roman" panose="02020603050405020304" pitchFamily="18" charset="0"/>
+                <a:cs typeface="Times New Roman" panose="02020603050405020304" pitchFamily="18" charset="0"/>
+              </a:rPr>
               <a:t>Cyber security evaluation and mitigation for future wireless </a:t>
             </a:r>
             <a:r>
-              <a:rPr lang="en-US" sz="2800" b="1" dirty="0" smtClean="0"/>
+              <a:rPr lang="en-US" sz="2800" dirty="0" smtClean="0">
+                <a:latin typeface="Times New Roman" panose="02020603050405020304" pitchFamily="18" charset="0"/>
+                <a:cs typeface="Times New Roman" panose="02020603050405020304" pitchFamily="18" charset="0"/>
+              </a:rPr>
               <a:t>networks, 5G</a:t>
             </a:r>
             <a:r>
-              <a:rPr lang="en-US" sz="2800" b="1" dirty="0"/>
+              <a:rPr lang="en-US" sz="2800" dirty="0">
+                <a:latin typeface="Times New Roman" panose="02020603050405020304" pitchFamily="18" charset="0"/>
+                <a:cs typeface="Times New Roman" panose="02020603050405020304" pitchFamily="18" charset="0"/>
+              </a:rPr>
               <a:t>, IoT and cloud storage </a:t>
             </a:r>
             <a:r>
-              <a:rPr lang="en-US" sz="2800" b="1" dirty="0" smtClean="0"/>
+              <a:rPr lang="en-US" sz="2800" dirty="0" smtClean="0">
+                <a:latin typeface="Times New Roman" panose="02020603050405020304" pitchFamily="18" charset="0"/>
+                <a:cs typeface="Times New Roman" panose="02020603050405020304" pitchFamily="18" charset="0"/>
+              </a:rPr>
               <a:t>networks (an </a:t>
             </a:r>
             <a:r>
-              <a:rPr lang="en-US" sz="2800" b="1" dirty="0"/>
+              <a:rPr lang="en-US" sz="2800" dirty="0">
+                <a:latin typeface="Times New Roman" panose="02020603050405020304" pitchFamily="18" charset="0"/>
+                <a:cs typeface="Times New Roman" panose="02020603050405020304" pitchFamily="18" charset="0"/>
+              </a:rPr>
               <a:t>Offensive and Defensive Technical Approach)</a:t>
             </a:r>
           </a:p>
@@ -4125,6 +4183,8 @@
               <a:solidFill>
                 <a:srgbClr val="2FB5A5"/>
               </a:solidFill>
+              <a:latin typeface="Times New Roman" panose="02020603050405020304" pitchFamily="18" charset="0"/>
+              <a:cs typeface="Times New Roman" panose="02020603050405020304" pitchFamily="18" charset="0"/>
             </a:endParaRPr>
           </a:p>
         </p:txBody>
@@ -4395,8 +4455,9 @@
                 <a:solidFill>
                   <a:srgbClr val="000000"/>
                 </a:solidFill>
-                <a:latin typeface="Arial" panose="020B0604020202020204" pitchFamily="34" charset="0"/>
+                <a:latin typeface="Times New Roman" panose="02020603050405020304" pitchFamily="18" charset="0"/>
                 <a:ea typeface="Calibri" panose="020F0502020204030204" pitchFamily="34" charset="0"/>
+                <a:cs typeface="Times New Roman" panose="02020603050405020304" pitchFamily="18" charset="0"/>
               </a:rPr>
               <a:t>I have taken on the challenge to evaluate, and make an inquiry in possible cyber security mitigation in wireless networks and cloud systems, with emerging IoT systems, automation of different activities in health, agriculture, government, mobile banking/mobile money and education(e-learning platforms ), all of which require internet connectivity, security of data transfers should be ensured, hackers can cost a company a great deal of money, reputation, and test its competence to protecting the information of its customers.</a:t>
             </a:r>
@@ -4405,11 +4466,15 @@
                 <a:solidFill>
                   <a:srgbClr val="000000"/>
                 </a:solidFill>
-                <a:latin typeface="Arial" panose="020B0604020202020204" pitchFamily="34" charset="0"/>
+                <a:latin typeface="Times New Roman" panose="02020603050405020304" pitchFamily="18" charset="0"/>
                 <a:ea typeface="Calibri" panose="020F0502020204030204" pitchFamily="34" charset="0"/>
+                <a:cs typeface="Times New Roman" panose="02020603050405020304" pitchFamily="18" charset="0"/>
               </a:rPr>
             </a:br>
-            <a:endParaRPr lang="en-US" sz="2800" dirty="0"/>
+            <a:endParaRPr lang="en-US" sz="2800" dirty="0">
+              <a:latin typeface="Times New Roman" panose="02020603050405020304" pitchFamily="18" charset="0"/>
+              <a:cs typeface="Times New Roman" panose="02020603050405020304" pitchFamily="18" charset="0"/>
+            </a:endParaRPr>
           </a:p>
         </p:txBody>
       </p:sp>
@@ -4422,7 +4487,7 @@
         <p:spPr>
           <a:xfrm>
             <a:off x="4950609" y="250088"/>
-            <a:ext cx="2595582" cy="584775"/>
+            <a:ext cx="2348720" cy="584775"/>
           </a:xfrm>
           <a:prstGeom prst="rect">
             <a:avLst/>
@@ -4439,13 +4504,16 @@
                 <a:solidFill>
                   <a:srgbClr val="2FB5A5"/>
                 </a:solidFill>
-                <a:latin typeface="Arial" panose="020B0604020202020204" pitchFamily="34" charset="0"/>
+                <a:latin typeface="Times New Roman" panose="02020603050405020304" pitchFamily="18" charset="0"/>
                 <a:ea typeface="Times New Roman" panose="02020603050405020304" pitchFamily="18" charset="0"/>
-                <a:cs typeface="Arial" panose="020B0604020202020204" pitchFamily="34" charset="0"/>
+                <a:cs typeface="Times New Roman" panose="02020603050405020304" pitchFamily="18" charset="0"/>
               </a:rPr>
               <a:t>Justification</a:t>
             </a:r>
-            <a:endParaRPr lang="en-GB" sz="3200" dirty="0"/>
+            <a:endParaRPr lang="en-GB" sz="3200" dirty="0">
+              <a:latin typeface="Times New Roman" panose="02020603050405020304" pitchFamily="18" charset="0"/>
+              <a:cs typeface="Times New Roman" panose="02020603050405020304" pitchFamily="18" charset="0"/>
+            </a:endParaRPr>
           </a:p>
         </p:txBody>
       </p:sp>
@@ -4677,7 +4745,7 @@
         <p:spPr>
           <a:xfrm>
             <a:off x="4834043" y="254622"/>
-            <a:ext cx="5647700" cy="646331"/>
+            <a:ext cx="4993675" cy="646331"/>
           </a:xfrm>
           <a:prstGeom prst="rect">
             <a:avLst/>
@@ -4695,8 +4763,8 @@
                 <a:solidFill>
                   <a:srgbClr val="2FB5A5"/>
                 </a:solidFill>
-                <a:latin typeface="Arial" panose="020B0604020202020204" pitchFamily="34" charset="0"/>
-                <a:cs typeface="Arial" panose="020B0604020202020204" pitchFamily="34" charset="0"/>
+                <a:latin typeface="Times New Roman" panose="02020603050405020304" pitchFamily="18" charset="0"/>
+                <a:cs typeface="Times New Roman" panose="02020603050405020304" pitchFamily="18" charset="0"/>
               </a:rPr>
               <a:t>Significance of the study</a:t>
             </a:r>
@@ -4704,8 +4772,8 @@
               <a:solidFill>
                 <a:srgbClr val="2FB5A5"/>
               </a:solidFill>
-              <a:latin typeface="Arial" panose="020B0604020202020204" pitchFamily="34" charset="0"/>
-              <a:cs typeface="Arial" panose="020B0604020202020204" pitchFamily="34" charset="0"/>
+              <a:latin typeface="Times New Roman" panose="02020603050405020304" pitchFamily="18" charset="0"/>
+              <a:cs typeface="Times New Roman" panose="02020603050405020304" pitchFamily="18" charset="0"/>
             </a:endParaRPr>
           </a:p>
         </p:txBody>
@@ -4733,15 +4801,24 @@
           <a:lstStyle/>
           <a:p>
             <a:r>
-              <a:rPr lang="en-GB" sz="2800" dirty="0" smtClean="0"/>
+              <a:rPr lang="en-GB" sz="2800" dirty="0" smtClean="0">
+                <a:latin typeface="Times New Roman" panose="02020603050405020304" pitchFamily="18" charset="0"/>
+                <a:cs typeface="Times New Roman" panose="02020603050405020304" pitchFamily="18" charset="0"/>
+              </a:rPr>
               <a:t>Creating a general but practical understanding of cyber security, policies and practices that accrue to computer security, for the future wireless networks that carry customer critical data used and generated by IoE, </a:t>
             </a:r>
             <a:r>
-              <a:rPr lang="en-GB" sz="2800" dirty="0" err="1" smtClean="0"/>
+              <a:rPr lang="en-GB" sz="2800" dirty="0" err="1" smtClean="0">
+                <a:latin typeface="Times New Roman" panose="02020603050405020304" pitchFamily="18" charset="0"/>
+                <a:cs typeface="Times New Roman" panose="02020603050405020304" pitchFamily="18" charset="0"/>
+              </a:rPr>
               <a:t>IoT</a:t>
             </a:r>
             <a:r>
-              <a:rPr lang="en-GB" sz="2800" dirty="0"/>
+              <a:rPr lang="en-GB" sz="2800" dirty="0">
+                <a:latin typeface="Times New Roman" panose="02020603050405020304" pitchFamily="18" charset="0"/>
+                <a:cs typeface="Times New Roman" panose="02020603050405020304" pitchFamily="18" charset="0"/>
+              </a:rPr>
               <a:t>.</a:t>
             </a:r>
           </a:p>
@@ -4989,18 +5066,18 @@
           <a:p>
             <a:r>
               <a:rPr lang="en-US" sz="2400" dirty="0" smtClean="0">
-                <a:latin typeface="Arial" panose="020B0604020202020204" pitchFamily="34" charset="0"/>
+                <a:latin typeface="Times New Roman" panose="02020603050405020304" pitchFamily="18" charset="0"/>
                 <a:ea typeface="Times New Roman" panose="02020603050405020304" pitchFamily="18" charset="0"/>
-                <a:cs typeface="Arial" panose="020B0604020202020204" pitchFamily="34" charset="0"/>
+                <a:cs typeface="Times New Roman" panose="02020603050405020304" pitchFamily="18" charset="0"/>
               </a:rPr>
               <a:t>The following practical activities will be carried out during the course of the project:</a:t>
             </a:r>
           </a:p>
           <a:p>
             <a:endParaRPr lang="en-US" sz="1000" dirty="0" smtClean="0">
-              <a:latin typeface="Arial" panose="020B0604020202020204" pitchFamily="34" charset="0"/>
+              <a:latin typeface="Times New Roman" panose="02020603050405020304" pitchFamily="18" charset="0"/>
               <a:ea typeface="Times New Roman" panose="02020603050405020304" pitchFamily="18" charset="0"/>
-              <a:cs typeface="Arial" panose="020B0604020202020204" pitchFamily="34" charset="0"/>
+              <a:cs typeface="Times New Roman" panose="02020603050405020304" pitchFamily="18" charset="0"/>
             </a:endParaRPr>
           </a:p>
           <a:p>
@@ -5012,8 +5089,9 @@
                 <a:solidFill>
                   <a:srgbClr val="000000"/>
                 </a:solidFill>
-                <a:latin typeface="Arial" panose="020B0604020202020204" pitchFamily="34" charset="0"/>
+                <a:latin typeface="Times New Roman" panose="02020603050405020304" pitchFamily="18" charset="0"/>
                 <a:ea typeface="Calibri" panose="020F0502020204030204" pitchFamily="34" charset="0"/>
+                <a:cs typeface="Times New Roman" panose="02020603050405020304" pitchFamily="18" charset="0"/>
               </a:rPr>
               <a:t>Wireless Encryption algorithms, munged passwords with MATLAB</a:t>
             </a:r>
@@ -5027,8 +5105,9 @@
                 <a:solidFill>
                   <a:srgbClr val="000000"/>
                 </a:solidFill>
-                <a:latin typeface="Arial" panose="020B0604020202020204" pitchFamily="34" charset="0"/>
+                <a:latin typeface="Times New Roman" panose="02020603050405020304" pitchFamily="18" charset="0"/>
                 <a:ea typeface="Calibri" panose="020F0502020204030204" pitchFamily="34" charset="0"/>
+                <a:cs typeface="Times New Roman" panose="02020603050405020304" pitchFamily="18" charset="0"/>
               </a:rPr>
               <a:t>History of hacking and Ethical hacking.</a:t>
             </a:r>
@@ -5042,8 +5121,9 @@
                 <a:solidFill>
                   <a:srgbClr val="000000"/>
                 </a:solidFill>
-                <a:latin typeface="Arial" panose="020B0604020202020204" pitchFamily="34" charset="0"/>
+                <a:latin typeface="Times New Roman" panose="02020603050405020304" pitchFamily="18" charset="0"/>
                 <a:ea typeface="Calibri" panose="020F0502020204030204" pitchFamily="34" charset="0"/>
+                <a:cs typeface="Times New Roman" panose="02020603050405020304" pitchFamily="18" charset="0"/>
               </a:rPr>
               <a:t>Tools used in penetration testing, social engineering and vulnerability tests with kali </a:t>
             </a:r>
@@ -5052,8 +5132,9 @@
                 <a:solidFill>
                   <a:srgbClr val="000000"/>
                 </a:solidFill>
-                <a:latin typeface="Arial" panose="020B0604020202020204" pitchFamily="34" charset="0"/>
+                <a:latin typeface="Times New Roman" panose="02020603050405020304" pitchFamily="18" charset="0"/>
                 <a:ea typeface="Calibri" panose="020F0502020204030204" pitchFamily="34" charset="0"/>
+                <a:cs typeface="Times New Roman" panose="02020603050405020304" pitchFamily="18" charset="0"/>
               </a:rPr>
               <a:t>linux</a:t>
             </a:r>
@@ -5062,8 +5143,9 @@
                 <a:solidFill>
                   <a:srgbClr val="000000"/>
                 </a:solidFill>
-                <a:latin typeface="Arial" panose="020B0604020202020204" pitchFamily="34" charset="0"/>
+                <a:latin typeface="Times New Roman" panose="02020603050405020304" pitchFamily="18" charset="0"/>
                 <a:ea typeface="Calibri" panose="020F0502020204030204" pitchFamily="34" charset="0"/>
+                <a:cs typeface="Times New Roman" panose="02020603050405020304" pitchFamily="18" charset="0"/>
               </a:rPr>
               <a:t> for wireless networks.</a:t>
             </a:r>
@@ -5078,8 +5160,9 @@
                 <a:solidFill>
                   <a:srgbClr val="000000"/>
                 </a:solidFill>
-                <a:latin typeface="Arial" panose="020B0604020202020204" pitchFamily="34" charset="0"/>
+                <a:latin typeface="Times New Roman" panose="02020603050405020304" pitchFamily="18" charset="0"/>
                 <a:ea typeface="Calibri" panose="020F0502020204030204" pitchFamily="34" charset="0"/>
+                <a:cs typeface="Times New Roman" panose="02020603050405020304" pitchFamily="18" charset="0"/>
               </a:rPr>
               <a:t>Security models with GNS3 simulation</a:t>
             </a:r>
@@ -5094,8 +5177,9 @@
                 <a:solidFill>
                   <a:srgbClr val="000000"/>
                 </a:solidFill>
-                <a:latin typeface="Arial" panose="020B0604020202020204" pitchFamily="34" charset="0"/>
+                <a:latin typeface="Times New Roman" panose="02020603050405020304" pitchFamily="18" charset="0"/>
                 <a:ea typeface="Calibri" panose="020F0502020204030204" pitchFamily="34" charset="0"/>
+                <a:cs typeface="Times New Roman" panose="02020603050405020304" pitchFamily="18" charset="0"/>
               </a:rPr>
               <a:t>Security with python programming.</a:t>
             </a:r>
@@ -5110,8 +5194,9 @@
                 <a:solidFill>
                   <a:srgbClr val="000000"/>
                 </a:solidFill>
-                <a:latin typeface="Arial" panose="020B0604020202020204" pitchFamily="34" charset="0"/>
+                <a:latin typeface="Times New Roman" panose="02020603050405020304" pitchFamily="18" charset="0"/>
                 <a:ea typeface="Calibri" panose="020F0502020204030204" pitchFamily="34" charset="0"/>
+                <a:cs typeface="Times New Roman" panose="02020603050405020304" pitchFamily="18" charset="0"/>
               </a:rPr>
               <a:t>Security in the application layer and network layer (ipv4 and ipv6) analysis with </a:t>
             </a:r>
@@ -5120,8 +5205,9 @@
                 <a:solidFill>
                   <a:srgbClr val="000000"/>
                 </a:solidFill>
-                <a:latin typeface="Arial" panose="020B0604020202020204" pitchFamily="34" charset="0"/>
+                <a:latin typeface="Times New Roman" panose="02020603050405020304" pitchFamily="18" charset="0"/>
                 <a:ea typeface="Calibri" panose="020F0502020204030204" pitchFamily="34" charset="0"/>
+                <a:cs typeface="Times New Roman" panose="02020603050405020304" pitchFamily="18" charset="0"/>
               </a:rPr>
               <a:t>wireshark</a:t>
             </a:r>
@@ -5130,8 +5216,9 @@
                 <a:solidFill>
                   <a:srgbClr val="000000"/>
                 </a:solidFill>
-                <a:latin typeface="Arial" panose="020B0604020202020204" pitchFamily="34" charset="0"/>
+                <a:latin typeface="Times New Roman" panose="02020603050405020304" pitchFamily="18" charset="0"/>
                 <a:ea typeface="Calibri" panose="020F0502020204030204" pitchFamily="34" charset="0"/>
+                <a:cs typeface="Times New Roman" panose="02020603050405020304" pitchFamily="18" charset="0"/>
               </a:rPr>
               <a:t>, (software systems security).</a:t>
             </a:r>
@@ -5146,8 +5233,9 @@
                 <a:solidFill>
                   <a:srgbClr val="000000"/>
                 </a:solidFill>
-                <a:latin typeface="Arial" panose="020B0604020202020204" pitchFamily="34" charset="0"/>
+                <a:latin typeface="Times New Roman" panose="02020603050405020304" pitchFamily="18" charset="0"/>
                 <a:ea typeface="Calibri" panose="020F0502020204030204" pitchFamily="34" charset="0"/>
+                <a:cs typeface="Times New Roman" panose="02020603050405020304" pitchFamily="18" charset="0"/>
               </a:rPr>
               <a:t>Tools and remedies to secure hardware systems (Unix, Cisco, Juniper and </a:t>
             </a:r>
@@ -5156,8 +5244,9 @@
                 <a:solidFill>
                   <a:srgbClr val="000000"/>
                 </a:solidFill>
-                <a:latin typeface="Arial" panose="020B0604020202020204" pitchFamily="34" charset="0"/>
+                <a:latin typeface="Times New Roman" panose="02020603050405020304" pitchFamily="18" charset="0"/>
                 <a:ea typeface="Calibri" panose="020F0502020204030204" pitchFamily="34" charset="0"/>
+                <a:cs typeface="Times New Roman" panose="02020603050405020304" pitchFamily="18" charset="0"/>
               </a:rPr>
               <a:t>Hauwei</a:t>
             </a:r>
@@ -5166,8 +5255,9 @@
                 <a:solidFill>
                   <a:srgbClr val="000000"/>
                 </a:solidFill>
-                <a:latin typeface="Arial" panose="020B0604020202020204" pitchFamily="34" charset="0"/>
+                <a:latin typeface="Times New Roman" panose="02020603050405020304" pitchFamily="18" charset="0"/>
                 <a:ea typeface="Calibri" panose="020F0502020204030204" pitchFamily="34" charset="0"/>
+                <a:cs typeface="Times New Roman" panose="02020603050405020304" pitchFamily="18" charset="0"/>
               </a:rPr>
               <a:t> hardware systems).</a:t>
             </a:r>
@@ -5182,8 +5272,9 @@
                 <a:solidFill>
                   <a:srgbClr val="000000"/>
                 </a:solidFill>
-                <a:latin typeface="Arial" panose="020B0604020202020204" pitchFamily="34" charset="0"/>
+                <a:latin typeface="Times New Roman" panose="02020603050405020304" pitchFamily="18" charset="0"/>
                 <a:ea typeface="Calibri" panose="020F0502020204030204" pitchFamily="34" charset="0"/>
+                <a:cs typeface="Times New Roman" panose="02020603050405020304" pitchFamily="18" charset="0"/>
               </a:rPr>
               <a:t>5G</a:t>
             </a:r>
@@ -5192,8 +5283,9 @@
                 <a:solidFill>
                   <a:srgbClr val="000000"/>
                 </a:solidFill>
-                <a:latin typeface="Arial" panose="020B0604020202020204" pitchFamily="34" charset="0"/>
+                <a:latin typeface="Times New Roman" panose="02020603050405020304" pitchFamily="18" charset="0"/>
                 <a:ea typeface="Calibri" panose="020F0502020204030204" pitchFamily="34" charset="0"/>
+                <a:cs typeface="Times New Roman" panose="02020603050405020304" pitchFamily="18" charset="0"/>
               </a:rPr>
               <a:t>, </a:t>
             </a:r>
@@ -5202,8 +5294,9 @@
                 <a:solidFill>
                   <a:srgbClr val="000000"/>
                 </a:solidFill>
-                <a:latin typeface="Arial" panose="020B0604020202020204" pitchFamily="34" charset="0"/>
+                <a:latin typeface="Times New Roman" panose="02020603050405020304" pitchFamily="18" charset="0"/>
                 <a:ea typeface="Calibri" panose="020F0502020204030204" pitchFamily="34" charset="0"/>
+                <a:cs typeface="Times New Roman" panose="02020603050405020304" pitchFamily="18" charset="0"/>
               </a:rPr>
               <a:t>IoT</a:t>
             </a:r>
@@ -5212,8 +5305,9 @@
                 <a:solidFill>
                   <a:srgbClr val="000000"/>
                 </a:solidFill>
-                <a:latin typeface="Arial" panose="020B0604020202020204" pitchFamily="34" charset="0"/>
+                <a:latin typeface="Times New Roman" panose="02020603050405020304" pitchFamily="18" charset="0"/>
                 <a:ea typeface="Calibri" panose="020F0502020204030204" pitchFamily="34" charset="0"/>
+                <a:cs typeface="Times New Roman" panose="02020603050405020304" pitchFamily="18" charset="0"/>
               </a:rPr>
               <a:t>, </a:t>
             </a:r>
@@ -5222,8 +5316,9 @@
                 <a:solidFill>
                   <a:srgbClr val="000000"/>
                 </a:solidFill>
-                <a:latin typeface="Arial" panose="020B0604020202020204" pitchFamily="34" charset="0"/>
+                <a:latin typeface="Times New Roman" panose="02020603050405020304" pitchFamily="18" charset="0"/>
                 <a:ea typeface="Calibri" panose="020F0502020204030204" pitchFamily="34" charset="0"/>
+                <a:cs typeface="Times New Roman" panose="02020603050405020304" pitchFamily="18" charset="0"/>
               </a:rPr>
               <a:t>NFC,</a:t>
             </a:r>
@@ -5232,8 +5327,9 @@
                 <a:solidFill>
                   <a:srgbClr val="000000"/>
                 </a:solidFill>
-                <a:latin typeface="Arial" panose="020B0604020202020204" pitchFamily="34" charset="0"/>
+                <a:latin typeface="Times New Roman" panose="02020603050405020304" pitchFamily="18" charset="0"/>
                 <a:ea typeface="Calibri" panose="020F0502020204030204" pitchFamily="34" charset="0"/>
+                <a:cs typeface="Times New Roman" panose="02020603050405020304" pitchFamily="18" charset="0"/>
               </a:rPr>
               <a:t> </a:t>
             </a:r>
@@ -5242,8 +5338,9 @@
                 <a:solidFill>
                   <a:srgbClr val="000000"/>
                 </a:solidFill>
-                <a:latin typeface="Arial" panose="020B0604020202020204" pitchFamily="34" charset="0"/>
+                <a:latin typeface="Times New Roman" panose="02020603050405020304" pitchFamily="18" charset="0"/>
                 <a:ea typeface="Calibri" panose="020F0502020204030204" pitchFamily="34" charset="0"/>
+                <a:cs typeface="Times New Roman" panose="02020603050405020304" pitchFamily="18" charset="0"/>
               </a:rPr>
               <a:t>Smart grid </a:t>
             </a:r>
@@ -5252,8 +5349,9 @@
                 <a:solidFill>
                   <a:srgbClr val="000000"/>
                 </a:solidFill>
-                <a:latin typeface="Arial" panose="020B0604020202020204" pitchFamily="34" charset="0"/>
+                <a:latin typeface="Times New Roman" panose="02020603050405020304" pitchFamily="18" charset="0"/>
                 <a:ea typeface="Calibri" panose="020F0502020204030204" pitchFamily="34" charset="0"/>
+                <a:cs typeface="Times New Roman" panose="02020603050405020304" pitchFamily="18" charset="0"/>
               </a:rPr>
               <a:t>cyber security and cloud storage security concerns.</a:t>
             </a:r>
@@ -5268,8 +5366,9 @@
                 <a:solidFill>
                   <a:srgbClr val="000000"/>
                 </a:solidFill>
-                <a:latin typeface="Arial" panose="020B0604020202020204" pitchFamily="34" charset="0"/>
+                <a:latin typeface="Times New Roman" panose="02020603050405020304" pitchFamily="18" charset="0"/>
                 <a:ea typeface="Calibri" panose="020F0502020204030204" pitchFamily="34" charset="0"/>
+                <a:cs typeface="Times New Roman" panose="02020603050405020304" pitchFamily="18" charset="0"/>
               </a:rPr>
               <a:t>Cyber security policies, including the </a:t>
             </a:r>
@@ -5278,8 +5377,9 @@
                 <a:solidFill>
                   <a:srgbClr val="000000"/>
                 </a:solidFill>
-                <a:latin typeface="Arial" panose="020B0604020202020204" pitchFamily="34" charset="0"/>
+                <a:latin typeface="Times New Roman" panose="02020603050405020304" pitchFamily="18" charset="0"/>
                 <a:ea typeface="Calibri" panose="020F0502020204030204" pitchFamily="34" charset="0"/>
+                <a:cs typeface="Times New Roman" panose="02020603050405020304" pitchFamily="18" charset="0"/>
               </a:rPr>
               <a:t>GDPR. </a:t>
             </a:r>
@@ -5288,8 +5388,9 @@
                 <a:solidFill>
                   <a:srgbClr val="000000"/>
                 </a:solidFill>
-                <a:latin typeface="Arial" panose="020B0604020202020204" pitchFamily="34" charset="0"/>
+                <a:latin typeface="Times New Roman" panose="02020603050405020304" pitchFamily="18" charset="0"/>
                 <a:ea typeface="Calibri" panose="020F0502020204030204" pitchFamily="34" charset="0"/>
+                <a:cs typeface="Times New Roman" panose="02020603050405020304" pitchFamily="18" charset="0"/>
               </a:rPr>
               <a:t>And </a:t>
             </a:r>
@@ -5298,8 +5399,9 @@
                 <a:solidFill>
                   <a:srgbClr val="000000"/>
                 </a:solidFill>
-                <a:latin typeface="Arial" panose="020B0604020202020204" pitchFamily="34" charset="0"/>
+                <a:latin typeface="Times New Roman" panose="02020603050405020304" pitchFamily="18" charset="0"/>
                 <a:ea typeface="Calibri" panose="020F0502020204030204" pitchFamily="34" charset="0"/>
+                <a:cs typeface="Times New Roman" panose="02020603050405020304" pitchFamily="18" charset="0"/>
               </a:rPr>
               <a:t>UGCERT </a:t>
             </a:r>
@@ -5308,12 +5410,16 @@
                 <a:solidFill>
                   <a:srgbClr val="000000"/>
                 </a:solidFill>
-                <a:latin typeface="Arial" panose="020B0604020202020204" pitchFamily="34" charset="0"/>
+                <a:latin typeface="Times New Roman" panose="02020603050405020304" pitchFamily="18" charset="0"/>
                 <a:ea typeface="Calibri" panose="020F0502020204030204" pitchFamily="34" charset="0"/>
+                <a:cs typeface="Times New Roman" panose="02020603050405020304" pitchFamily="18" charset="0"/>
               </a:rPr>
               <a:t>activity review</a:t>
             </a:r>
-            <a:endParaRPr lang="en-US" sz="2400" dirty="0"/>
+            <a:endParaRPr lang="en-US" sz="2400" dirty="0">
+              <a:latin typeface="Times New Roman" panose="02020603050405020304" pitchFamily="18" charset="0"/>
+              <a:cs typeface="Times New Roman" panose="02020603050405020304" pitchFamily="18" charset="0"/>
+            </a:endParaRPr>
           </a:p>
         </p:txBody>
       </p:sp>
@@ -5326,7 +5432,7 @@
         <p:spPr>
           <a:xfrm>
             <a:off x="4881688" y="316178"/>
-            <a:ext cx="4121641" cy="584775"/>
+            <a:ext cx="3652538" cy="584775"/>
           </a:xfrm>
           <a:prstGeom prst="rect">
             <a:avLst/>
@@ -5343,13 +5449,16 @@
                 <a:solidFill>
                   <a:srgbClr val="2FB5A5"/>
                 </a:solidFill>
-                <a:latin typeface="Arial" panose="020B0604020202020204" pitchFamily="34" charset="0"/>
+                <a:latin typeface="Times New Roman" panose="02020603050405020304" pitchFamily="18" charset="0"/>
                 <a:ea typeface="Times New Roman" panose="02020603050405020304" pitchFamily="18" charset="0"/>
-                <a:cs typeface="Arial" panose="020B0604020202020204" pitchFamily="34" charset="0"/>
+                <a:cs typeface="Times New Roman" panose="02020603050405020304" pitchFamily="18" charset="0"/>
               </a:rPr>
               <a:t>Scope of the project</a:t>
             </a:r>
-            <a:endParaRPr lang="en-GB" sz="3200" dirty="0"/>
+            <a:endParaRPr lang="en-GB" sz="3200" dirty="0">
+              <a:latin typeface="Times New Roman" panose="02020603050405020304" pitchFamily="18" charset="0"/>
+              <a:cs typeface="Times New Roman" panose="02020603050405020304" pitchFamily="18" charset="0"/>
+            </a:endParaRPr>
           </a:p>
         </p:txBody>
       </p:sp>
@@ -5581,7 +5690,7 @@
         <p:spPr>
           <a:xfrm>
             <a:off x="5076026" y="267265"/>
-            <a:ext cx="3057247" cy="646331"/>
+            <a:ext cx="2775119" cy="646331"/>
           </a:xfrm>
           <a:prstGeom prst="rect">
             <a:avLst/>
@@ -5599,8 +5708,8 @@
                 <a:solidFill>
                   <a:srgbClr val="2FB5A5"/>
                 </a:solidFill>
-                <a:latin typeface="Arial" panose="020B0604020202020204" pitchFamily="34" charset="0"/>
-                <a:cs typeface="Arial" panose="020B0604020202020204" pitchFamily="34" charset="0"/>
+                <a:latin typeface="Times New Roman" panose="02020603050405020304" pitchFamily="18" charset="0"/>
+                <a:cs typeface="Times New Roman" panose="02020603050405020304" pitchFamily="18" charset="0"/>
               </a:rPr>
               <a:t>Methodology</a:t>
             </a:r>
@@ -5608,8 +5717,8 @@
               <a:solidFill>
                 <a:srgbClr val="2FB5A5"/>
               </a:solidFill>
-              <a:latin typeface="Arial" panose="020B0604020202020204" pitchFamily="34" charset="0"/>
-              <a:cs typeface="Arial" panose="020B0604020202020204" pitchFamily="34" charset="0"/>
+              <a:latin typeface="Times New Roman" panose="02020603050405020304" pitchFamily="18" charset="0"/>
+              <a:cs typeface="Times New Roman" panose="02020603050405020304" pitchFamily="18" charset="0"/>
             </a:endParaRPr>
           </a:p>
         </p:txBody>
@@ -5893,7 +6002,7 @@
                 <a:solidFill>
                   <a:srgbClr val="000000"/>
                 </a:solidFill>
-                <a:latin typeface="Arial" panose="020B0604020202020204" pitchFamily="34" charset="0"/>
+                <a:latin typeface="Times New Roman" panose="02020603050405020304" pitchFamily="18" charset="0"/>
                 <a:ea typeface="Calibri" panose="020F0502020204030204" pitchFamily="34" charset="0"/>
                 <a:cs typeface="Times New Roman" panose="02020603050405020304" pitchFamily="18" charset="0"/>
               </a:rPr>
@@ -5904,7 +6013,7 @@
                 <a:solidFill>
                   <a:srgbClr val="000000"/>
                 </a:solidFill>
-                <a:latin typeface="Arial" panose="020B0604020202020204" pitchFamily="34" charset="0"/>
+                <a:latin typeface="Times New Roman" panose="02020603050405020304" pitchFamily="18" charset="0"/>
                 <a:ea typeface="Calibri" panose="020F0502020204030204" pitchFamily="34" charset="0"/>
                 <a:cs typeface="Times New Roman" panose="02020603050405020304" pitchFamily="18" charset="0"/>
               </a:rPr>
@@ -5915,7 +6024,7 @@
                 <a:solidFill>
                   <a:srgbClr val="000000"/>
                 </a:solidFill>
-                <a:latin typeface="Arial" panose="020B0604020202020204" pitchFamily="34" charset="0"/>
+                <a:latin typeface="Times New Roman" panose="02020603050405020304" pitchFamily="18" charset="0"/>
                 <a:ea typeface="Calibri" panose="020F0502020204030204" pitchFamily="34" charset="0"/>
                 <a:cs typeface="Times New Roman" panose="02020603050405020304" pitchFamily="18" charset="0"/>
               </a:rPr>
@@ -5926,7 +6035,7 @@
                 <a:solidFill>
                   <a:srgbClr val="000000"/>
                 </a:solidFill>
-                <a:latin typeface="Arial" panose="020B0604020202020204" pitchFamily="34" charset="0"/>
+                <a:latin typeface="Times New Roman" panose="02020603050405020304" pitchFamily="18" charset="0"/>
                 <a:ea typeface="Calibri" panose="020F0502020204030204" pitchFamily="34" charset="0"/>
                 <a:cs typeface="Times New Roman" panose="02020603050405020304" pitchFamily="18" charset="0"/>
               </a:rPr>
@@ -5937,14 +6046,14 @@
                 <a:solidFill>
                   <a:srgbClr val="000000"/>
                 </a:solidFill>
-                <a:latin typeface="Arial" panose="020B0604020202020204" pitchFamily="34" charset="0"/>
+                <a:latin typeface="Times New Roman" panose="02020603050405020304" pitchFamily="18" charset="0"/>
                 <a:ea typeface="Calibri" panose="020F0502020204030204" pitchFamily="34" charset="0"/>
                 <a:cs typeface="Times New Roman" panose="02020603050405020304" pitchFamily="18" charset="0"/>
               </a:rPr>
               <a:t>MATLAB</a:t>
             </a:r>
             <a:endParaRPr lang="en-US" sz="3200" dirty="0" smtClean="0">
-              <a:latin typeface="Calibri" panose="020F0502020204030204" pitchFamily="34" charset="0"/>
+              <a:latin typeface="Times New Roman" panose="02020603050405020304" pitchFamily="18" charset="0"/>
               <a:ea typeface="Calibri" panose="020F0502020204030204" pitchFamily="34" charset="0"/>
               <a:cs typeface="Times New Roman" panose="02020603050405020304" pitchFamily="18" charset="0"/>
             </a:endParaRPr>
@@ -5965,7 +6074,7 @@
                 <a:solidFill>
                   <a:srgbClr val="000000"/>
                 </a:solidFill>
-                <a:latin typeface="Arial" panose="020B0604020202020204" pitchFamily="34" charset="0"/>
+                <a:latin typeface="Times New Roman" panose="02020603050405020304" pitchFamily="18" charset="0"/>
                 <a:ea typeface="Calibri" panose="020F0502020204030204" pitchFamily="34" charset="0"/>
                 <a:cs typeface="Times New Roman" panose="02020603050405020304" pitchFamily="18" charset="0"/>
               </a:rPr>
@@ -5976,7 +6085,7 @@
                 <a:solidFill>
                   <a:srgbClr val="000000"/>
                 </a:solidFill>
-                <a:latin typeface="Arial" panose="020B0604020202020204" pitchFamily="34" charset="0"/>
+                <a:latin typeface="Times New Roman" panose="02020603050405020304" pitchFamily="18" charset="0"/>
                 <a:ea typeface="Calibri" panose="020F0502020204030204" pitchFamily="34" charset="0"/>
                 <a:cs typeface="Times New Roman" panose="02020603050405020304" pitchFamily="18" charset="0"/>
               </a:rPr>
@@ -5987,7 +6096,7 @@
                 <a:solidFill>
                   <a:srgbClr val="000000"/>
                 </a:solidFill>
-                <a:latin typeface="Arial" panose="020B0604020202020204" pitchFamily="34" charset="0"/>
+                <a:latin typeface="Times New Roman" panose="02020603050405020304" pitchFamily="18" charset="0"/>
                 <a:ea typeface="Calibri" panose="020F0502020204030204" pitchFamily="34" charset="0"/>
                 <a:cs typeface="Times New Roman" panose="02020603050405020304" pitchFamily="18" charset="0"/>
               </a:rPr>
@@ -6010,14 +6119,14 @@
                 <a:solidFill>
                   <a:srgbClr val="000000"/>
                 </a:solidFill>
-                <a:latin typeface="Arial" panose="020B0604020202020204" pitchFamily="34" charset="0"/>
+                <a:latin typeface="Times New Roman" panose="02020603050405020304" pitchFamily="18" charset="0"/>
                 <a:ea typeface="Calibri" panose="020F0502020204030204" pitchFamily="34" charset="0"/>
                 <a:cs typeface="Times New Roman" panose="02020603050405020304" pitchFamily="18" charset="0"/>
               </a:rPr>
               <a:t>Review of mobile money security system, and smart grid.</a:t>
             </a:r>
             <a:endParaRPr lang="en-US" sz="3200" dirty="0">
-              <a:latin typeface="Calibri" panose="020F0502020204030204" pitchFamily="34" charset="0"/>
+              <a:latin typeface="Times New Roman" panose="02020603050405020304" pitchFamily="18" charset="0"/>
               <a:ea typeface="Calibri" panose="020F0502020204030204" pitchFamily="34" charset="0"/>
               <a:cs typeface="Times New Roman" panose="02020603050405020304" pitchFamily="18" charset="0"/>
             </a:endParaRPr>
@@ -6038,7 +6147,7 @@
                 <a:solidFill>
                   <a:srgbClr val="000000"/>
                 </a:solidFill>
-                <a:latin typeface="Arial" panose="020B0604020202020204" pitchFamily="34" charset="0"/>
+                <a:latin typeface="Times New Roman" panose="02020603050405020304" pitchFamily="18" charset="0"/>
                 <a:ea typeface="Calibri" panose="020F0502020204030204" pitchFamily="34" charset="0"/>
                 <a:cs typeface="Times New Roman" panose="02020603050405020304" pitchFamily="18" charset="0"/>
               </a:rPr>
@@ -6049,7 +6158,7 @@
                 <a:solidFill>
                   <a:srgbClr val="000000"/>
                 </a:solidFill>
-                <a:latin typeface="Arial" panose="020B0604020202020204" pitchFamily="34" charset="0"/>
+                <a:latin typeface="Times New Roman" panose="02020603050405020304" pitchFamily="18" charset="0"/>
                 <a:ea typeface="Calibri" panose="020F0502020204030204" pitchFamily="34" charset="0"/>
                 <a:cs typeface="Times New Roman" panose="02020603050405020304" pitchFamily="18" charset="0"/>
               </a:rPr>
@@ -6072,9 +6181,9 @@
                 <a:solidFill>
                   <a:srgbClr val="000000"/>
                 </a:solidFill>
-                <a:latin typeface="Arial" panose="020B0604020202020204" pitchFamily="34" charset="0"/>
+                <a:latin typeface="Times New Roman" panose="02020603050405020304" pitchFamily="18" charset="0"/>
                 <a:ea typeface="Calibri" panose="020F0502020204030204" pitchFamily="34" charset="0"/>
-                <a:cs typeface="Arial" panose="020B0604020202020204" pitchFamily="34" charset="0"/>
+                <a:cs typeface="Times New Roman" panose="02020603050405020304" pitchFamily="18" charset="0"/>
               </a:rPr>
               <a:t>Hardware </a:t>
             </a:r>
@@ -6083,16 +6192,16 @@
                 <a:solidFill>
                   <a:srgbClr val="000000"/>
                 </a:solidFill>
-                <a:latin typeface="Arial" panose="020B0604020202020204" pitchFamily="34" charset="0"/>
+                <a:latin typeface="Times New Roman" panose="02020603050405020304" pitchFamily="18" charset="0"/>
                 <a:ea typeface="Calibri" panose="020F0502020204030204" pitchFamily="34" charset="0"/>
-                <a:cs typeface="Arial" panose="020B0604020202020204" pitchFamily="34" charset="0"/>
+                <a:cs typeface="Times New Roman" panose="02020603050405020304" pitchFamily="18" charset="0"/>
               </a:rPr>
               <a:t>security configurations, and network security</a:t>
             </a:r>
             <a:endParaRPr lang="en-US" sz="2400" dirty="0">
-              <a:latin typeface="Arial" panose="020B0604020202020204" pitchFamily="34" charset="0"/>
+              <a:latin typeface="Times New Roman" panose="02020603050405020304" pitchFamily="18" charset="0"/>
               <a:ea typeface="Calibri" panose="020F0502020204030204" pitchFamily="34" charset="0"/>
-              <a:cs typeface="Arial" panose="020B0604020202020204" pitchFamily="34" charset="0"/>
+              <a:cs typeface="Times New Roman" panose="02020603050405020304" pitchFamily="18" charset="0"/>
             </a:endParaRPr>
           </a:p>
           <a:p>
@@ -6111,16 +6220,16 @@
                 <a:solidFill>
                   <a:srgbClr val="000000"/>
                 </a:solidFill>
-                <a:latin typeface="Arial" panose="020B0604020202020204" pitchFamily="34" charset="0"/>
+                <a:latin typeface="Times New Roman" panose="02020603050405020304" pitchFamily="18" charset="0"/>
                 <a:ea typeface="Calibri" panose="020F0502020204030204" pitchFamily="34" charset="0"/>
-                <a:cs typeface="Arial" panose="020B0604020202020204" pitchFamily="34" charset="0"/>
+                <a:cs typeface="Times New Roman" panose="02020603050405020304" pitchFamily="18" charset="0"/>
               </a:rPr>
               <a:t>Wireshark and Snort as Intrusion Prevention and Intrusion Detection tools</a:t>
             </a:r>
             <a:endParaRPr lang="en-US" sz="2400" dirty="0">
-              <a:latin typeface="Arial" panose="020B0604020202020204" pitchFamily="34" charset="0"/>
+              <a:latin typeface="Times New Roman" panose="02020603050405020304" pitchFamily="18" charset="0"/>
               <a:ea typeface="Calibri" panose="020F0502020204030204" pitchFamily="34" charset="0"/>
-              <a:cs typeface="Arial" panose="020B0604020202020204" pitchFamily="34" charset="0"/>
+              <a:cs typeface="Times New Roman" panose="02020603050405020304" pitchFamily="18" charset="0"/>
             </a:endParaRPr>
           </a:p>
           <a:p>
@@ -6133,7 +6242,7 @@
               </a:spcAft>
             </a:pPr>
             <a:endParaRPr lang="en-US" sz="2400" dirty="0">
-              <a:latin typeface="Calibri" panose="020F0502020204030204" pitchFamily="34" charset="0"/>
+              <a:latin typeface="Times New Roman" panose="02020603050405020304" pitchFamily="18" charset="0"/>
               <a:ea typeface="Calibri" panose="020F0502020204030204" pitchFamily="34" charset="0"/>
               <a:cs typeface="Times New Roman" panose="02020603050405020304" pitchFamily="18" charset="0"/>
             </a:endParaRPr>
@@ -6149,7 +6258,7 @@
         <p:spPr>
           <a:xfrm>
             <a:off x="4518212" y="305206"/>
-            <a:ext cx="6143028" cy="530145"/>
+            <a:ext cx="5443991" cy="522259"/>
           </a:xfrm>
           <a:prstGeom prst="rect">
             <a:avLst/>
@@ -6174,7 +6283,7 @@
                 <a:solidFill>
                   <a:srgbClr val="2FB5A5"/>
                 </a:solidFill>
-                <a:latin typeface="Arial" panose="020B0604020202020204" pitchFamily="34" charset="0"/>
+                <a:latin typeface="Times New Roman" panose="02020603050405020304" pitchFamily="18" charset="0"/>
                 <a:ea typeface="Calibri" panose="020F0502020204030204" pitchFamily="34" charset="0"/>
                 <a:cs typeface="Times New Roman" panose="02020603050405020304" pitchFamily="18" charset="0"/>
               </a:rPr>
@@ -6185,7 +6294,7 @@
                 <a:solidFill>
                   <a:srgbClr val="2FB5A5"/>
                 </a:solidFill>
-                <a:latin typeface="Arial" panose="020B0604020202020204" pitchFamily="34" charset="0"/>
+                <a:latin typeface="Times New Roman" panose="02020603050405020304" pitchFamily="18" charset="0"/>
                 <a:ea typeface="Calibri" panose="020F0502020204030204" pitchFamily="34" charset="0"/>
                 <a:cs typeface="Times New Roman" panose="02020603050405020304" pitchFamily="18" charset="0"/>
               </a:rPr>
@@ -6196,20 +6305,12 @@
                 <a:solidFill>
                   <a:srgbClr val="2FB5A5"/>
                 </a:solidFill>
-                <a:latin typeface="Arial" panose="020B0604020202020204" pitchFamily="34" charset="0"/>
+                <a:latin typeface="Times New Roman" panose="02020603050405020304" pitchFamily="18" charset="0"/>
                 <a:ea typeface="Calibri" panose="020F0502020204030204" pitchFamily="34" charset="0"/>
                 <a:cs typeface="Times New Roman" panose="02020603050405020304" pitchFamily="18" charset="0"/>
               </a:rPr>
               <a:t>cyber security approach</a:t>
             </a:r>
-            <a:endParaRPr lang="en-US" sz="2800" b="1" dirty="0">
-              <a:solidFill>
-                <a:srgbClr val="2FB5A5"/>
-              </a:solidFill>
-              <a:latin typeface="Calibri" panose="020F0502020204030204" pitchFamily="34" charset="0"/>
-              <a:ea typeface="Calibri" panose="020F0502020204030204" pitchFamily="34" charset="0"/>
-              <a:cs typeface="Times New Roman" panose="02020603050405020304" pitchFamily="18" charset="0"/>
-            </a:endParaRPr>
           </a:p>
         </p:txBody>
       </p:sp>
@@ -6441,7 +6542,7 @@
         <p:spPr>
           <a:xfrm>
             <a:off x="4518212" y="273263"/>
-            <a:ext cx="7678705" cy="553357"/>
+            <a:ext cx="6973256" cy="522259"/>
           </a:xfrm>
           <a:prstGeom prst="rect">
             <a:avLst/>
@@ -6466,7 +6567,7 @@
                 <a:solidFill>
                   <a:srgbClr val="2FB5A5"/>
                 </a:solidFill>
-                <a:latin typeface="Arial" panose="020B0604020202020204" pitchFamily="34" charset="0"/>
+                <a:latin typeface="Times New Roman" panose="02020603050405020304" pitchFamily="18" charset="0"/>
                 <a:ea typeface="Calibri" panose="020F0502020204030204" pitchFamily="34" charset="0"/>
                 <a:cs typeface="Times New Roman" panose="02020603050405020304" pitchFamily="18" charset="0"/>
               </a:rPr>
@@ -6477,7 +6578,7 @@
                 <a:solidFill>
                   <a:srgbClr val="2FB5A5"/>
                 </a:solidFill>
-                <a:latin typeface="Arial" panose="020B0604020202020204" pitchFamily="34" charset="0"/>
+                <a:latin typeface="Times New Roman" panose="02020603050405020304" pitchFamily="18" charset="0"/>
                 <a:ea typeface="Calibri" panose="020F0502020204030204" pitchFamily="34" charset="0"/>
                 <a:cs typeface="Times New Roman" panose="02020603050405020304" pitchFamily="18" charset="0"/>
               </a:rPr>
@@ -6488,7 +6589,7 @@
                 <a:solidFill>
                   <a:srgbClr val="2FB5A5"/>
                 </a:solidFill>
-                <a:latin typeface="Arial" panose="020B0604020202020204" pitchFamily="34" charset="0"/>
+                <a:latin typeface="Times New Roman" panose="02020603050405020304" pitchFamily="18" charset="0"/>
                 <a:ea typeface="Calibri" panose="020F0502020204030204" pitchFamily="34" charset="0"/>
                 <a:cs typeface="Times New Roman" panose="02020603050405020304" pitchFamily="18" charset="0"/>
               </a:rPr>
@@ -6499,7 +6600,7 @@
                 <a:solidFill>
                   <a:srgbClr val="2FB5A5"/>
                 </a:solidFill>
-                <a:latin typeface="Arial" panose="020B0604020202020204" pitchFamily="34" charset="0"/>
+                <a:latin typeface="Times New Roman" panose="02020603050405020304" pitchFamily="18" charset="0"/>
                 <a:ea typeface="Calibri" panose="020F0502020204030204" pitchFamily="34" charset="0"/>
                 <a:cs typeface="Times New Roman" panose="02020603050405020304" pitchFamily="18" charset="0"/>
               </a:rPr>
@@ -6509,7 +6610,7 @@
               <a:solidFill>
                 <a:srgbClr val="2FB5A5"/>
               </a:solidFill>
-              <a:latin typeface="Calibri" panose="020F0502020204030204" pitchFamily="34" charset="0"/>
+              <a:latin typeface="Times New Roman" panose="02020603050405020304" pitchFamily="18" charset="0"/>
               <a:ea typeface="Calibri" panose="020F0502020204030204" pitchFamily="34" charset="0"/>
               <a:cs typeface="Times New Roman" panose="02020603050405020304" pitchFamily="18" charset="0"/>
             </a:endParaRPr>
@@ -6552,16 +6653,16 @@
                 <a:solidFill>
                   <a:srgbClr val="000000"/>
                 </a:solidFill>
-                <a:latin typeface="Arial" panose="020B0604020202020204" pitchFamily="34" charset="0"/>
+                <a:latin typeface="Times New Roman" panose="02020603050405020304" pitchFamily="18" charset="0"/>
                 <a:ea typeface="Calibri" panose="020F0502020204030204" pitchFamily="34" charset="0"/>
-                <a:cs typeface="Arial" panose="020B0604020202020204" pitchFamily="34" charset="0"/>
+                <a:cs typeface="Times New Roman" panose="02020603050405020304" pitchFamily="18" charset="0"/>
               </a:rPr>
               <a:t>Proposed 5G architecture, and implementation</a:t>
             </a:r>
             <a:endParaRPr lang="en-US" sz="2400" dirty="0">
-              <a:latin typeface="Arial" panose="020B0604020202020204" pitchFamily="34" charset="0"/>
+              <a:latin typeface="Times New Roman" panose="02020603050405020304" pitchFamily="18" charset="0"/>
               <a:ea typeface="Calibri" panose="020F0502020204030204" pitchFamily="34" charset="0"/>
-              <a:cs typeface="Arial" panose="020B0604020202020204" pitchFamily="34" charset="0"/>
+              <a:cs typeface="Times New Roman" panose="02020603050405020304" pitchFamily="18" charset="0"/>
             </a:endParaRPr>
           </a:p>
           <a:p>
@@ -6580,16 +6681,16 @@
                 <a:solidFill>
                   <a:srgbClr val="000000"/>
                 </a:solidFill>
-                <a:latin typeface="Arial" panose="020B0604020202020204" pitchFamily="34" charset="0"/>
+                <a:latin typeface="Times New Roman" panose="02020603050405020304" pitchFamily="18" charset="0"/>
                 <a:ea typeface="Calibri" panose="020F0502020204030204" pitchFamily="34" charset="0"/>
-                <a:cs typeface="Arial" panose="020B0604020202020204" pitchFamily="34" charset="0"/>
+                <a:cs typeface="Times New Roman" panose="02020603050405020304" pitchFamily="18" charset="0"/>
               </a:rPr>
               <a:t>5G services (IoT, and Cloud)</a:t>
             </a:r>
             <a:endParaRPr lang="en-US" sz="2400" dirty="0">
-              <a:latin typeface="Arial" panose="020B0604020202020204" pitchFamily="34" charset="0"/>
+              <a:latin typeface="Times New Roman" panose="02020603050405020304" pitchFamily="18" charset="0"/>
               <a:ea typeface="Calibri" panose="020F0502020204030204" pitchFamily="34" charset="0"/>
-              <a:cs typeface="Arial" panose="020B0604020202020204" pitchFamily="34" charset="0"/>
+              <a:cs typeface="Times New Roman" panose="02020603050405020304" pitchFamily="18" charset="0"/>
             </a:endParaRPr>
           </a:p>
           <a:p>
@@ -6608,16 +6709,16 @@
                 <a:solidFill>
                   <a:srgbClr val="000000"/>
                 </a:solidFill>
-                <a:latin typeface="Arial" panose="020B0604020202020204" pitchFamily="34" charset="0"/>
+                <a:latin typeface="Times New Roman" panose="02020603050405020304" pitchFamily="18" charset="0"/>
                 <a:ea typeface="Calibri" panose="020F0502020204030204" pitchFamily="34" charset="0"/>
-                <a:cs typeface="Arial" panose="020B0604020202020204" pitchFamily="34" charset="0"/>
+                <a:cs typeface="Times New Roman" panose="02020603050405020304" pitchFamily="18" charset="0"/>
               </a:rPr>
               <a:t>5G security architecture according to simaliance</a:t>
             </a:r>
             <a:endParaRPr lang="en-US" sz="2400" dirty="0">
-              <a:latin typeface="Arial" panose="020B0604020202020204" pitchFamily="34" charset="0"/>
+              <a:latin typeface="Times New Roman" panose="02020603050405020304" pitchFamily="18" charset="0"/>
               <a:ea typeface="Calibri" panose="020F0502020204030204" pitchFamily="34" charset="0"/>
-              <a:cs typeface="Arial" panose="020B0604020202020204" pitchFamily="34" charset="0"/>
+              <a:cs typeface="Times New Roman" panose="02020603050405020304" pitchFamily="18" charset="0"/>
             </a:endParaRPr>
           </a:p>
           <a:p>
@@ -6636,9 +6737,9 @@
                 <a:solidFill>
                   <a:srgbClr val="000000"/>
                 </a:solidFill>
-                <a:latin typeface="Arial" panose="020B0604020202020204" pitchFamily="34" charset="0"/>
+                <a:latin typeface="Times New Roman" panose="02020603050405020304" pitchFamily="18" charset="0"/>
                 <a:ea typeface="Calibri" panose="020F0502020204030204" pitchFamily="34" charset="0"/>
-                <a:cs typeface="Arial" panose="020B0604020202020204" pitchFamily="34" charset="0"/>
+                <a:cs typeface="Times New Roman" panose="02020603050405020304" pitchFamily="18" charset="0"/>
               </a:rPr>
               <a:t>IoT</a:t>
             </a:r>
@@ -6647,16 +6748,16 @@
                 <a:solidFill>
                   <a:srgbClr val="000000"/>
                 </a:solidFill>
-                <a:latin typeface="Arial" panose="020B0604020202020204" pitchFamily="34" charset="0"/>
+                <a:latin typeface="Times New Roman" panose="02020603050405020304" pitchFamily="18" charset="0"/>
                 <a:ea typeface="Calibri" panose="020F0502020204030204" pitchFamily="34" charset="0"/>
-                <a:cs typeface="Arial" panose="020B0604020202020204" pitchFamily="34" charset="0"/>
+                <a:cs typeface="Times New Roman" panose="02020603050405020304" pitchFamily="18" charset="0"/>
               </a:rPr>
               <a:t>-cloud computing architecture (meeting point for IT and OT)</a:t>
             </a:r>
             <a:endParaRPr lang="en-US" sz="2400" dirty="0">
-              <a:latin typeface="Arial" panose="020B0604020202020204" pitchFamily="34" charset="0"/>
+              <a:latin typeface="Times New Roman" panose="02020603050405020304" pitchFamily="18" charset="0"/>
               <a:ea typeface="Calibri" panose="020F0502020204030204" pitchFamily="34" charset="0"/>
-              <a:cs typeface="Arial" panose="020B0604020202020204" pitchFamily="34" charset="0"/>
+              <a:cs typeface="Times New Roman" panose="02020603050405020304" pitchFamily="18" charset="0"/>
             </a:endParaRPr>
           </a:p>
           <a:p>
@@ -6675,9 +6776,9 @@
                 <a:solidFill>
                   <a:srgbClr val="000000"/>
                 </a:solidFill>
-                <a:latin typeface="Arial" panose="020B0604020202020204" pitchFamily="34" charset="0"/>
+                <a:latin typeface="Times New Roman" panose="02020603050405020304" pitchFamily="18" charset="0"/>
                 <a:ea typeface="Calibri" panose="020F0502020204030204" pitchFamily="34" charset="0"/>
-                <a:cs typeface="Arial" panose="020B0604020202020204" pitchFamily="34" charset="0"/>
+                <a:cs typeface="Times New Roman" panose="02020603050405020304" pitchFamily="18" charset="0"/>
               </a:rPr>
               <a:t>Near Field Communications-NFC</a:t>
             </a:r>
@@ -6698,16 +6799,16 @@
                 <a:solidFill>
                   <a:srgbClr val="000000"/>
                 </a:solidFill>
-                <a:latin typeface="Arial" panose="020B0604020202020204" pitchFamily="34" charset="0"/>
+                <a:latin typeface="Times New Roman" panose="02020603050405020304" pitchFamily="18" charset="0"/>
                 <a:ea typeface="Calibri" panose="020F0502020204030204" pitchFamily="34" charset="0"/>
-                <a:cs typeface="Arial" panose="020B0604020202020204" pitchFamily="34" charset="0"/>
+                <a:cs typeface="Times New Roman" panose="02020603050405020304" pitchFamily="18" charset="0"/>
               </a:rPr>
               <a:t>Smart grid security protocols </a:t>
             </a:r>
             <a:endParaRPr lang="en-US" sz="2400" dirty="0">
-              <a:latin typeface="Arial" panose="020B0604020202020204" pitchFamily="34" charset="0"/>
+              <a:latin typeface="Times New Roman" panose="02020603050405020304" pitchFamily="18" charset="0"/>
               <a:ea typeface="Calibri" panose="020F0502020204030204" pitchFamily="34" charset="0"/>
-              <a:cs typeface="Arial" panose="020B0604020202020204" pitchFamily="34" charset="0"/>
+              <a:cs typeface="Times New Roman" panose="02020603050405020304" pitchFamily="18" charset="0"/>
             </a:endParaRPr>
           </a:p>
         </p:txBody>
@@ -6967,7 +7068,7 @@
                 <a:solidFill>
                   <a:srgbClr val="000000"/>
                 </a:solidFill>
-                <a:latin typeface="Arial" panose="020B0604020202020204" pitchFamily="34" charset="0"/>
+                <a:latin typeface="Times New Roman" panose="02020603050405020304" pitchFamily="18" charset="0"/>
                 <a:ea typeface="Calibri" panose="020F0502020204030204" pitchFamily="34" charset="0"/>
                 <a:cs typeface="Times New Roman" panose="02020603050405020304" pitchFamily="18" charset="0"/>
               </a:rPr>
@@ -6978,14 +7079,14 @@
                 <a:solidFill>
                   <a:srgbClr val="000000"/>
                 </a:solidFill>
-                <a:latin typeface="Arial" panose="020B0604020202020204" pitchFamily="34" charset="0"/>
+                <a:latin typeface="Times New Roman" panose="02020603050405020304" pitchFamily="18" charset="0"/>
                 <a:ea typeface="Calibri" panose="020F0502020204030204" pitchFamily="34" charset="0"/>
                 <a:cs typeface="Times New Roman" panose="02020603050405020304" pitchFamily="18" charset="0"/>
               </a:rPr>
               <a:t>of Cyber security Threats and Attacks</a:t>
             </a:r>
             <a:endParaRPr lang="en-US" sz="3600" dirty="0">
-              <a:latin typeface="Calibri" panose="020F0502020204030204" pitchFamily="34" charset="0"/>
+              <a:latin typeface="Times New Roman" panose="02020603050405020304" pitchFamily="18" charset="0"/>
               <a:ea typeface="Calibri" panose="020F0502020204030204" pitchFamily="34" charset="0"/>
               <a:cs typeface="Times New Roman" panose="02020603050405020304" pitchFamily="18" charset="0"/>
             </a:endParaRPr>
@@ -7006,7 +7107,7 @@
                 <a:solidFill>
                   <a:srgbClr val="000000"/>
                 </a:solidFill>
-                <a:latin typeface="Arial" panose="020B0604020202020204" pitchFamily="34" charset="0"/>
+                <a:latin typeface="Times New Roman" panose="02020603050405020304" pitchFamily="18" charset="0"/>
                 <a:ea typeface="Calibri" panose="020F0502020204030204" pitchFamily="34" charset="0"/>
                 <a:cs typeface="Times New Roman" panose="02020603050405020304" pitchFamily="18" charset="0"/>
               </a:rPr>
@@ -7017,14 +7118,14 @@
                 <a:solidFill>
                   <a:srgbClr val="000000"/>
                 </a:solidFill>
-                <a:latin typeface="Arial" panose="020B0604020202020204" pitchFamily="34" charset="0"/>
+                <a:latin typeface="Times New Roman" panose="02020603050405020304" pitchFamily="18" charset="0"/>
                 <a:ea typeface="Calibri" panose="020F0502020204030204" pitchFamily="34" charset="0"/>
                 <a:cs typeface="Times New Roman" panose="02020603050405020304" pitchFamily="18" charset="0"/>
               </a:rPr>
               <a:t>Kali Linux</a:t>
             </a:r>
             <a:endParaRPr lang="en-US" sz="3600" dirty="0">
-              <a:latin typeface="Calibri" panose="020F0502020204030204" pitchFamily="34" charset="0"/>
+              <a:latin typeface="Times New Roman" panose="02020603050405020304" pitchFamily="18" charset="0"/>
               <a:ea typeface="Calibri" panose="020F0502020204030204" pitchFamily="34" charset="0"/>
               <a:cs typeface="Times New Roman" panose="02020603050405020304" pitchFamily="18" charset="0"/>
             </a:endParaRPr>
@@ -7045,7 +7146,7 @@
                 <a:solidFill>
                   <a:srgbClr val="000000"/>
                 </a:solidFill>
-                <a:latin typeface="Arial" panose="020B0604020202020204" pitchFamily="34" charset="0"/>
+                <a:latin typeface="Times New Roman" panose="02020603050405020304" pitchFamily="18" charset="0"/>
                 <a:ea typeface="Calibri" panose="020F0502020204030204" pitchFamily="34" charset="0"/>
                 <a:cs typeface="Times New Roman" panose="02020603050405020304" pitchFamily="18" charset="0"/>
               </a:rPr>
@@ -7056,7 +7157,7 @@
                 <a:solidFill>
                   <a:srgbClr val="000000"/>
                 </a:solidFill>
-                <a:latin typeface="Arial" panose="020B0604020202020204" pitchFamily="34" charset="0"/>
+                <a:latin typeface="Times New Roman" panose="02020603050405020304" pitchFamily="18" charset="0"/>
                 <a:ea typeface="Calibri" panose="020F0502020204030204" pitchFamily="34" charset="0"/>
                 <a:cs typeface="Times New Roman" panose="02020603050405020304" pitchFamily="18" charset="0"/>
               </a:rPr>
@@ -7067,14 +7168,14 @@
                 <a:solidFill>
                   <a:srgbClr val="000000"/>
                 </a:solidFill>
-                <a:latin typeface="Arial" panose="020B0604020202020204" pitchFamily="34" charset="0"/>
+                <a:latin typeface="Times New Roman" panose="02020603050405020304" pitchFamily="18" charset="0"/>
                 <a:ea typeface="Calibri" panose="020F0502020204030204" pitchFamily="34" charset="0"/>
                 <a:cs typeface="Times New Roman" panose="02020603050405020304" pitchFamily="18" charset="0"/>
               </a:rPr>
               <a:t>) and Red Team organisation</a:t>
             </a:r>
             <a:endParaRPr lang="en-US" sz="3600" dirty="0">
-              <a:latin typeface="Calibri" panose="020F0502020204030204" pitchFamily="34" charset="0"/>
+              <a:latin typeface="Times New Roman" panose="02020603050405020304" pitchFamily="18" charset="0"/>
               <a:ea typeface="Calibri" panose="020F0502020204030204" pitchFamily="34" charset="0"/>
               <a:cs typeface="Times New Roman" panose="02020603050405020304" pitchFamily="18" charset="0"/>
             </a:endParaRPr>
@@ -7095,14 +7196,14 @@
                 <a:solidFill>
                   <a:srgbClr val="000000"/>
                 </a:solidFill>
-                <a:latin typeface="Arial" panose="020B0604020202020204" pitchFamily="34" charset="0"/>
+                <a:latin typeface="Times New Roman" panose="02020603050405020304" pitchFamily="18" charset="0"/>
                 <a:ea typeface="Calibri" panose="020F0502020204030204" pitchFamily="34" charset="0"/>
                 <a:cs typeface="Times New Roman" panose="02020603050405020304" pitchFamily="18" charset="0"/>
               </a:rPr>
               <a:t>Vulnerability testing</a:t>
             </a:r>
             <a:endParaRPr lang="en-US" sz="3600" dirty="0">
-              <a:latin typeface="Calibri" panose="020F0502020204030204" pitchFamily="34" charset="0"/>
+              <a:latin typeface="Times New Roman" panose="02020603050405020304" pitchFamily="18" charset="0"/>
               <a:ea typeface="Calibri" panose="020F0502020204030204" pitchFamily="34" charset="0"/>
               <a:cs typeface="Times New Roman" panose="02020603050405020304" pitchFamily="18" charset="0"/>
             </a:endParaRPr>
@@ -7123,14 +7224,14 @@
                 <a:solidFill>
                   <a:srgbClr val="000000"/>
                 </a:solidFill>
-                <a:latin typeface="Arial" panose="020B0604020202020204" pitchFamily="34" charset="0"/>
+                <a:latin typeface="Times New Roman" panose="02020603050405020304" pitchFamily="18" charset="0"/>
                 <a:ea typeface="Calibri" panose="020F0502020204030204" pitchFamily="34" charset="0"/>
                 <a:cs typeface="Times New Roman" panose="02020603050405020304" pitchFamily="18" charset="0"/>
               </a:rPr>
               <a:t>Pen-testing</a:t>
             </a:r>
             <a:endParaRPr lang="en-US" sz="3600" dirty="0">
-              <a:latin typeface="Calibri" panose="020F0502020204030204" pitchFamily="34" charset="0"/>
+              <a:latin typeface="Times New Roman" panose="02020603050405020304" pitchFamily="18" charset="0"/>
               <a:ea typeface="Calibri" panose="020F0502020204030204" pitchFamily="34" charset="0"/>
               <a:cs typeface="Times New Roman" panose="02020603050405020304" pitchFamily="18" charset="0"/>
             </a:endParaRPr>
@@ -7151,7 +7252,7 @@
                 <a:solidFill>
                   <a:srgbClr val="000000"/>
                 </a:solidFill>
-                <a:latin typeface="Arial" panose="020B0604020202020204" pitchFamily="34" charset="0"/>
+                <a:latin typeface="Times New Roman" panose="02020603050405020304" pitchFamily="18" charset="0"/>
                 <a:ea typeface="Calibri" panose="020F0502020204030204" pitchFamily="34" charset="0"/>
                 <a:cs typeface="Times New Roman" panose="02020603050405020304" pitchFamily="18" charset="0"/>
               </a:rPr>
@@ -7159,7 +7260,7 @@
             </a:r>
             <a:endParaRPr lang="en-US" sz="3600" dirty="0">
               <a:effectLst/>
-              <a:latin typeface="Calibri" panose="020F0502020204030204" pitchFamily="34" charset="0"/>
+              <a:latin typeface="Times New Roman" panose="02020603050405020304" pitchFamily="18" charset="0"/>
               <a:ea typeface="Calibri" panose="020F0502020204030204" pitchFamily="34" charset="0"/>
               <a:cs typeface="Times New Roman" panose="02020603050405020304" pitchFamily="18" charset="0"/>
             </a:endParaRPr>
@@ -7175,7 +7276,7 @@
         <p:spPr>
           <a:xfrm>
             <a:off x="4678166" y="304953"/>
-            <a:ext cx="6082114" cy="519886"/>
+            <a:ext cx="5424755" cy="522259"/>
           </a:xfrm>
           <a:prstGeom prst="rect">
             <a:avLst/>
@@ -7200,9 +7301,9 @@
                 <a:solidFill>
                   <a:srgbClr val="2FB5A5"/>
                 </a:solidFill>
-                <a:latin typeface="Arial" panose="020B0604020202020204" pitchFamily="34" charset="0"/>
+                <a:latin typeface="Times New Roman" panose="02020603050405020304" pitchFamily="18" charset="0"/>
                 <a:ea typeface="Calibri" panose="020F0502020204030204" pitchFamily="34" charset="0"/>
-                <a:cs typeface="Arial" panose="020B0604020202020204" pitchFamily="34" charset="0"/>
+                <a:cs typeface="Times New Roman" panose="02020603050405020304" pitchFamily="18" charset="0"/>
               </a:rPr>
               <a:t>O</a:t>
             </a:r>
@@ -7211,9 +7312,9 @@
                 <a:solidFill>
                   <a:srgbClr val="2FB5A5"/>
                 </a:solidFill>
-                <a:latin typeface="Arial" panose="020B0604020202020204" pitchFamily="34" charset="0"/>
+                <a:latin typeface="Times New Roman" panose="02020603050405020304" pitchFamily="18" charset="0"/>
                 <a:ea typeface="Calibri" panose="020F0502020204030204" pitchFamily="34" charset="0"/>
-                <a:cs typeface="Arial" panose="020B0604020202020204" pitchFamily="34" charset="0"/>
+                <a:cs typeface="Times New Roman" panose="02020603050405020304" pitchFamily="18" charset="0"/>
               </a:rPr>
               <a:t>ffensive </a:t>
             </a:r>
@@ -7222,9 +7323,9 @@
                 <a:solidFill>
                   <a:srgbClr val="2FB5A5"/>
                 </a:solidFill>
-                <a:latin typeface="Arial" panose="020B0604020202020204" pitchFamily="34" charset="0"/>
+                <a:latin typeface="Times New Roman" panose="02020603050405020304" pitchFamily="18" charset="0"/>
                 <a:ea typeface="Calibri" panose="020F0502020204030204" pitchFamily="34" charset="0"/>
-                <a:cs typeface="Arial" panose="020B0604020202020204" pitchFamily="34" charset="0"/>
+                <a:cs typeface="Times New Roman" panose="02020603050405020304" pitchFamily="18" charset="0"/>
               </a:rPr>
               <a:t>cyber security approach</a:t>
             </a:r>
@@ -7713,10 +7814,10 @@
                 <a:ea typeface="Calibri" panose="020F0502020204030204" pitchFamily="34" charset="0"/>
                 <a:cs typeface="Times New Roman" panose="02020603050405020304" pitchFamily="18" charset="0"/>
               </a:rPr>
-              <a:t>used in penetration testing, social engineering and vulnerability tests with kali </a:t>
-            </a:r>
-            <a:r>
-              <a:rPr lang="en-US" sz="2400" dirty="0" err="1">
+              <a:t>used in penetration testing, social engineering and vulnerability tests </a:t>
+            </a:r>
+            <a:r>
+              <a:rPr lang="en-US" sz="2400" dirty="0" smtClean="0">
                 <a:solidFill>
                   <a:srgbClr val="000000"/>
                 </a:solidFill>
@@ -7724,7 +7825,7 @@
                 <a:ea typeface="Calibri" panose="020F0502020204030204" pitchFamily="34" charset="0"/>
                 <a:cs typeface="Times New Roman" panose="02020603050405020304" pitchFamily="18" charset="0"/>
               </a:rPr>
-              <a:t>linux</a:t>
+              <a:t>with Kali </a:t>
             </a:r>
             <a:r>
               <a:rPr lang="en-US" sz="2400" dirty="0">
@@ -7735,7 +7836,29 @@
                 <a:ea typeface="Calibri" panose="020F0502020204030204" pitchFamily="34" charset="0"/>
                 <a:cs typeface="Times New Roman" panose="02020603050405020304" pitchFamily="18" charset="0"/>
               </a:rPr>
-              <a:t> for wireless networks</a:t>
+              <a:t>L</a:t>
+            </a:r>
+            <a:r>
+              <a:rPr lang="en-US" sz="2400" dirty="0" smtClean="0">
+                <a:solidFill>
+                  <a:srgbClr val="000000"/>
+                </a:solidFill>
+                <a:latin typeface="Times New Roman" panose="02020603050405020304" pitchFamily="18" charset="0"/>
+                <a:ea typeface="Calibri" panose="020F0502020204030204" pitchFamily="34" charset="0"/>
+                <a:cs typeface="Times New Roman" panose="02020603050405020304" pitchFamily="18" charset="0"/>
+              </a:rPr>
+              <a:t>inux </a:t>
+            </a:r>
+            <a:r>
+              <a:rPr lang="en-US" sz="2400" dirty="0">
+                <a:solidFill>
+                  <a:srgbClr val="000000"/>
+                </a:solidFill>
+                <a:latin typeface="Times New Roman" panose="02020603050405020304" pitchFamily="18" charset="0"/>
+                <a:ea typeface="Calibri" panose="020F0502020204030204" pitchFamily="34" charset="0"/>
+                <a:cs typeface="Times New Roman" panose="02020603050405020304" pitchFamily="18" charset="0"/>
+              </a:rPr>
+              <a:t>for wireless networks</a:t>
             </a:r>
             <a:br>
               <a:rPr lang="en-US" sz="2400" dirty="0">
@@ -7824,7 +7947,7 @@
               <a:t>Security in the application layer and network layer (ipv4 and ipv6) analysis with </a:t>
             </a:r>
             <a:r>
-              <a:rPr lang="en-US" sz="2400" dirty="0" err="1" smtClean="0">
+              <a:rPr lang="en-US" sz="2400" dirty="0">
                 <a:solidFill>
                   <a:srgbClr val="000000"/>
                 </a:solidFill>
@@ -7832,7 +7955,18 @@
                 <a:ea typeface="Calibri" panose="020F0502020204030204" pitchFamily="34" charset="0"/>
                 <a:cs typeface="Times New Roman" panose="02020603050405020304" pitchFamily="18" charset="0"/>
               </a:rPr>
-              <a:t>wireshark</a:t>
+              <a:t>W</a:t>
+            </a:r>
+            <a:r>
+              <a:rPr lang="en-US" sz="2400" dirty="0" smtClean="0">
+                <a:solidFill>
+                  <a:srgbClr val="000000"/>
+                </a:solidFill>
+                <a:latin typeface="Times New Roman" panose="02020603050405020304" pitchFamily="18" charset="0"/>
+                <a:ea typeface="Calibri" panose="020F0502020204030204" pitchFamily="34" charset="0"/>
+                <a:cs typeface="Times New Roman" panose="02020603050405020304" pitchFamily="18" charset="0"/>
+              </a:rPr>
+              <a:t>ireshark</a:t>
             </a:r>
             <a:r>
               <a:rPr lang="en-US" sz="2400" dirty="0" smtClean="0">
@@ -8191,7 +8325,7 @@
         <p:spPr>
           <a:xfrm>
             <a:off x="683914" y="1001805"/>
-            <a:ext cx="11109157" cy="2397451"/>
+            <a:ext cx="11109157" cy="1905330"/>
           </a:xfrm>
           <a:prstGeom prst="rect">
             <a:avLst/>
@@ -8218,7 +8352,7 @@
                 <a:solidFill>
                   <a:srgbClr val="000000"/>
                 </a:solidFill>
-                <a:latin typeface="Arial" panose="020B0604020202020204" pitchFamily="34" charset="0"/>
+                <a:latin typeface="Times New Roman" panose="02020603050405020304" pitchFamily="18" charset="0"/>
                 <a:ea typeface="Calibri" panose="020F0502020204030204" pitchFamily="34" charset="0"/>
                 <a:cs typeface="Times New Roman" panose="02020603050405020304" pitchFamily="18" charset="0"/>
               </a:rPr>
@@ -8229,14 +8363,14 @@
                 <a:solidFill>
                   <a:srgbClr val="000000"/>
                 </a:solidFill>
-                <a:latin typeface="Arial" panose="020B0604020202020204" pitchFamily="34" charset="0"/>
+                <a:latin typeface="Times New Roman" panose="02020603050405020304" pitchFamily="18" charset="0"/>
                 <a:ea typeface="Calibri" panose="020F0502020204030204" pitchFamily="34" charset="0"/>
                 <a:cs typeface="Times New Roman" panose="02020603050405020304" pitchFamily="18" charset="0"/>
               </a:rPr>
               <a:t>history statistics and their impact</a:t>
             </a:r>
             <a:endParaRPr lang="en-US" sz="3600" dirty="0">
-              <a:latin typeface="Calibri" panose="020F0502020204030204" pitchFamily="34" charset="0"/>
+              <a:latin typeface="Times New Roman" panose="02020603050405020304" pitchFamily="18" charset="0"/>
               <a:ea typeface="Calibri" panose="020F0502020204030204" pitchFamily="34" charset="0"/>
               <a:cs typeface="Times New Roman" panose="02020603050405020304" pitchFamily="18" charset="0"/>
             </a:endParaRPr>
@@ -8257,7 +8391,7 @@
                 <a:solidFill>
                   <a:srgbClr val="000000"/>
                 </a:solidFill>
-                <a:latin typeface="Arial" panose="020B0604020202020204" pitchFamily="34" charset="0"/>
+                <a:latin typeface="Times New Roman" panose="02020603050405020304" pitchFamily="18" charset="0"/>
                 <a:ea typeface="Calibri" panose="020F0502020204030204" pitchFamily="34" charset="0"/>
                 <a:cs typeface="Times New Roman" panose="02020603050405020304" pitchFamily="18" charset="0"/>
               </a:rPr>
@@ -8268,14 +8402,14 @@
                 <a:solidFill>
                   <a:srgbClr val="000000"/>
                 </a:solidFill>
-                <a:latin typeface="Arial" panose="020B0604020202020204" pitchFamily="34" charset="0"/>
+                <a:latin typeface="Times New Roman" panose="02020603050405020304" pitchFamily="18" charset="0"/>
                 <a:ea typeface="Calibri" panose="020F0502020204030204" pitchFamily="34" charset="0"/>
                 <a:cs typeface="Times New Roman" panose="02020603050405020304" pitchFamily="18" charset="0"/>
               </a:rPr>
               <a:t>operations</a:t>
             </a:r>
             <a:endParaRPr lang="en-US" sz="3600" dirty="0">
-              <a:latin typeface="Calibri" panose="020F0502020204030204" pitchFamily="34" charset="0"/>
+              <a:latin typeface="Times New Roman" panose="02020603050405020304" pitchFamily="18" charset="0"/>
               <a:ea typeface="Calibri" panose="020F0502020204030204" pitchFamily="34" charset="0"/>
               <a:cs typeface="Times New Roman" panose="02020603050405020304" pitchFamily="18" charset="0"/>
             </a:endParaRPr>
@@ -8296,14 +8430,14 @@
                 <a:solidFill>
                   <a:srgbClr val="000000"/>
                 </a:solidFill>
-                <a:latin typeface="Arial" panose="020B0604020202020204" pitchFamily="34" charset="0"/>
+                <a:latin typeface="Times New Roman" panose="02020603050405020304" pitchFamily="18" charset="0"/>
                 <a:ea typeface="Calibri" panose="020F0502020204030204" pitchFamily="34" charset="0"/>
                 <a:cs typeface="Times New Roman" panose="02020603050405020304" pitchFamily="18" charset="0"/>
               </a:rPr>
               <a:t>GDPR</a:t>
             </a:r>
             <a:endParaRPr lang="en-US" sz="3600" dirty="0">
-              <a:latin typeface="Calibri" panose="020F0502020204030204" pitchFamily="34" charset="0"/>
+              <a:latin typeface="Times New Roman" panose="02020603050405020304" pitchFamily="18" charset="0"/>
               <a:ea typeface="Calibri" panose="020F0502020204030204" pitchFamily="34" charset="0"/>
               <a:cs typeface="Times New Roman" panose="02020603050405020304" pitchFamily="18" charset="0"/>
             </a:endParaRPr>
@@ -8324,7 +8458,7 @@
                 <a:solidFill>
                   <a:srgbClr val="000000"/>
                 </a:solidFill>
-                <a:latin typeface="Arial" panose="020B0604020202020204" pitchFamily="34" charset="0"/>
+                <a:latin typeface="Times New Roman" panose="02020603050405020304" pitchFamily="18" charset="0"/>
                 <a:ea typeface="Calibri" panose="020F0502020204030204" pitchFamily="34" charset="0"/>
                 <a:cs typeface="Times New Roman" panose="02020603050405020304" pitchFamily="18" charset="0"/>
               </a:rPr>
@@ -8332,7 +8466,7 @@
             </a:r>
             <a:endParaRPr lang="en-US" sz="3600" dirty="0">
               <a:effectLst/>
-              <a:latin typeface="Calibri" panose="020F0502020204030204" pitchFamily="34" charset="0"/>
+              <a:latin typeface="Times New Roman" panose="02020603050405020304" pitchFamily="18" charset="0"/>
               <a:ea typeface="Calibri" panose="020F0502020204030204" pitchFamily="34" charset="0"/>
               <a:cs typeface="Times New Roman" panose="02020603050405020304" pitchFamily="18" charset="0"/>
             </a:endParaRPr>
@@ -8348,7 +8482,7 @@
         <p:spPr>
           <a:xfrm>
             <a:off x="4763011" y="319960"/>
-            <a:ext cx="6740948" cy="580993"/>
+            <a:ext cx="6177845" cy="583750"/>
           </a:xfrm>
           <a:prstGeom prst="rect">
             <a:avLst/>
@@ -8373,9 +8507,9 @@
                 <a:solidFill>
                   <a:srgbClr val="2FB5A5"/>
                 </a:solidFill>
-                <a:latin typeface="Arial" panose="020B0604020202020204" pitchFamily="34" charset="0"/>
+                <a:latin typeface="Times New Roman" panose="02020603050405020304" pitchFamily="18" charset="0"/>
                 <a:ea typeface="Calibri" panose="020F0502020204030204" pitchFamily="34" charset="0"/>
-                <a:cs typeface="Arial" panose="020B0604020202020204" pitchFamily="34" charset="0"/>
+                <a:cs typeface="Times New Roman" panose="02020603050405020304" pitchFamily="18" charset="0"/>
               </a:rPr>
               <a:t>Law and policy for Cyber security</a:t>
             </a:r>
@@ -8610,7 +8744,7 @@
         <p:spPr>
           <a:xfrm>
             <a:off x="4580840" y="390718"/>
-            <a:ext cx="7212231" cy="646331"/>
+            <a:ext cx="6421630" cy="646331"/>
           </a:xfrm>
           <a:prstGeom prst="rect">
             <a:avLst/>
@@ -8628,8 +8762,8 @@
                 <a:solidFill>
                   <a:srgbClr val="2FB5A5"/>
                 </a:solidFill>
-                <a:latin typeface="Arial" panose="020B0604020202020204" pitchFamily="34" charset="0"/>
-                <a:cs typeface="Arial" panose="020B0604020202020204" pitchFamily="34" charset="0"/>
+                <a:latin typeface="Times New Roman" panose="02020603050405020304" pitchFamily="18" charset="0"/>
+                <a:cs typeface="Times New Roman" panose="02020603050405020304" pitchFamily="18" charset="0"/>
               </a:rPr>
               <a:t>Expected Results of the project </a:t>
             </a:r>
@@ -8637,8 +8771,8 @@
               <a:solidFill>
                 <a:srgbClr val="2FB5A5"/>
               </a:solidFill>
-              <a:latin typeface="Arial" panose="020B0604020202020204" pitchFamily="34" charset="0"/>
-              <a:cs typeface="Arial" panose="020B0604020202020204" pitchFamily="34" charset="0"/>
+              <a:latin typeface="Times New Roman" panose="02020603050405020304" pitchFamily="18" charset="0"/>
+              <a:cs typeface="Times New Roman" panose="02020603050405020304" pitchFamily="18" charset="0"/>
             </a:endParaRPr>
           </a:p>
         </p:txBody>
@@ -8652,7 +8786,7 @@
         <p:spPr>
           <a:xfrm>
             <a:off x="657207" y="1542925"/>
-            <a:ext cx="10112189" cy="3970318"/>
+            <a:ext cx="10112189" cy="3539430"/>
           </a:xfrm>
           <a:prstGeom prst="rect">
             <a:avLst/>
@@ -8670,8 +8804,8 @@
                 <a:solidFill>
                   <a:srgbClr val="2FB5A5"/>
                 </a:solidFill>
-                <a:latin typeface="Arial" panose="020B0604020202020204" pitchFamily="34" charset="0"/>
-                <a:cs typeface="Arial" panose="020B0604020202020204" pitchFamily="34" charset="0"/>
+                <a:latin typeface="Times New Roman" panose="02020603050405020304" pitchFamily="18" charset="0"/>
+                <a:cs typeface="Times New Roman" panose="02020603050405020304" pitchFamily="18" charset="0"/>
               </a:rPr>
               <a:t>Proactive results</a:t>
             </a:r>
@@ -8683,35 +8817,35 @@
             </a:pPr>
             <a:r>
               <a:rPr lang="en-US" sz="2800" dirty="0">
-                <a:latin typeface="Arial" panose="020B0604020202020204" pitchFamily="34" charset="0"/>
-                <a:cs typeface="Arial" panose="020B0604020202020204" pitchFamily="34" charset="0"/>
+                <a:latin typeface="Times New Roman" panose="02020603050405020304" pitchFamily="18" charset="0"/>
+                <a:cs typeface="Times New Roman" panose="02020603050405020304" pitchFamily="18" charset="0"/>
               </a:rPr>
               <a:t>5G architecture  according  to </a:t>
             </a:r>
             <a:r>
               <a:rPr lang="en-US" sz="2800" b="1" dirty="0">
-                <a:latin typeface="Arial" panose="020B0604020202020204" pitchFamily="34" charset="0"/>
-                <a:cs typeface="Arial" panose="020B0604020202020204" pitchFamily="34" charset="0"/>
+                <a:latin typeface="Times New Roman" panose="02020603050405020304" pitchFamily="18" charset="0"/>
+                <a:cs typeface="Times New Roman" panose="02020603050405020304" pitchFamily="18" charset="0"/>
               </a:rPr>
               <a:t>simaliance</a:t>
             </a:r>
             <a:r>
               <a:rPr lang="en-US" sz="2800" dirty="0">
-                <a:latin typeface="Arial" panose="020B0604020202020204" pitchFamily="34" charset="0"/>
-                <a:cs typeface="Arial" panose="020B0604020202020204" pitchFamily="34" charset="0"/>
+                <a:latin typeface="Times New Roman" panose="02020603050405020304" pitchFamily="18" charset="0"/>
+                <a:cs typeface="Times New Roman" panose="02020603050405020304" pitchFamily="18" charset="0"/>
               </a:rPr>
               <a:t> and other </a:t>
             </a:r>
             <a:r>
               <a:rPr lang="en-US" sz="2800" dirty="0" smtClean="0">
-                <a:latin typeface="Arial" panose="020B0604020202020204" pitchFamily="34" charset="0"/>
-                <a:cs typeface="Arial" panose="020B0604020202020204" pitchFamily="34" charset="0"/>
+                <a:latin typeface="Times New Roman" panose="02020603050405020304" pitchFamily="18" charset="0"/>
+                <a:cs typeface="Times New Roman" panose="02020603050405020304" pitchFamily="18" charset="0"/>
               </a:rPr>
               <a:t>vendors</a:t>
             </a:r>
             <a:endParaRPr lang="en-US" sz="2800" dirty="0">
-              <a:latin typeface="Arial" panose="020B0604020202020204" pitchFamily="34" charset="0"/>
-              <a:cs typeface="Arial" panose="020B0604020202020204" pitchFamily="34" charset="0"/>
+              <a:latin typeface="Times New Roman" panose="02020603050405020304" pitchFamily="18" charset="0"/>
+              <a:cs typeface="Times New Roman" panose="02020603050405020304" pitchFamily="18" charset="0"/>
             </a:endParaRPr>
           </a:p>
           <a:p>
@@ -8721,15 +8855,15 @@
             </a:pPr>
             <a:r>
               <a:rPr lang="en-US" sz="2800" dirty="0" smtClean="0">
-                <a:latin typeface="Arial" panose="020B0604020202020204" pitchFamily="34" charset="0"/>
-                <a:cs typeface="Arial" panose="020B0604020202020204" pitchFamily="34" charset="0"/>
+                <a:latin typeface="Times New Roman" panose="02020603050405020304" pitchFamily="18" charset="0"/>
+                <a:cs typeface="Times New Roman" panose="02020603050405020304" pitchFamily="18" charset="0"/>
               </a:rPr>
               <a:t>Security Modeling with </a:t>
             </a:r>
             <a:r>
               <a:rPr lang="en-US" sz="2800" b="1" dirty="0" smtClean="0">
-                <a:latin typeface="Arial" panose="020B0604020202020204" pitchFamily="34" charset="0"/>
-                <a:cs typeface="Arial" panose="020B0604020202020204" pitchFamily="34" charset="0"/>
+                <a:latin typeface="Times New Roman" panose="02020603050405020304" pitchFamily="18" charset="0"/>
+                <a:cs typeface="Times New Roman" panose="02020603050405020304" pitchFamily="18" charset="0"/>
               </a:rPr>
               <a:t>GNS3</a:t>
             </a:r>
@@ -8741,15 +8875,15 @@
             </a:pPr>
             <a:r>
               <a:rPr lang="en-US" sz="2800" dirty="0" smtClean="0">
-                <a:latin typeface="Arial" panose="020B0604020202020204" pitchFamily="34" charset="0"/>
-                <a:cs typeface="Arial" panose="020B0604020202020204" pitchFamily="34" charset="0"/>
+                <a:latin typeface="Times New Roman" panose="02020603050405020304" pitchFamily="18" charset="0"/>
+                <a:cs typeface="Times New Roman" panose="02020603050405020304" pitchFamily="18" charset="0"/>
               </a:rPr>
               <a:t>Wireless Encryption with </a:t>
             </a:r>
             <a:r>
               <a:rPr lang="en-US" sz="2800" b="1" dirty="0" smtClean="0">
-                <a:latin typeface="Arial" panose="020B0604020202020204" pitchFamily="34" charset="0"/>
-                <a:cs typeface="Arial" panose="020B0604020202020204" pitchFamily="34" charset="0"/>
+                <a:latin typeface="Times New Roman" panose="02020603050405020304" pitchFamily="18" charset="0"/>
+                <a:cs typeface="Times New Roman" panose="02020603050405020304" pitchFamily="18" charset="0"/>
               </a:rPr>
               <a:t>MATLAB</a:t>
             </a:r>
@@ -8761,22 +8895,22 @@
             </a:pPr>
             <a:r>
               <a:rPr lang="en-US" sz="2800" dirty="0" smtClean="0">
-                <a:latin typeface="Arial" panose="020B0604020202020204" pitchFamily="34" charset="0"/>
-                <a:cs typeface="Arial" panose="020B0604020202020204" pitchFamily="34" charset="0"/>
+                <a:latin typeface="Times New Roman" panose="02020603050405020304" pitchFamily="18" charset="0"/>
+                <a:cs typeface="Times New Roman" panose="02020603050405020304" pitchFamily="18" charset="0"/>
               </a:rPr>
               <a:t>Character substitution in  </a:t>
             </a:r>
             <a:r>
               <a:rPr lang="en-US" sz="2800" b="1" dirty="0" smtClean="0">
-                <a:latin typeface="Arial" panose="020B0604020202020204" pitchFamily="34" charset="0"/>
-                <a:cs typeface="Arial" panose="020B0604020202020204" pitchFamily="34" charset="0"/>
+                <a:latin typeface="Times New Roman" panose="02020603050405020304" pitchFamily="18" charset="0"/>
+                <a:cs typeface="Times New Roman" panose="02020603050405020304" pitchFamily="18" charset="0"/>
               </a:rPr>
               <a:t>MATLAB</a:t>
             </a:r>
             <a:r>
               <a:rPr lang="en-US" sz="2800" dirty="0" smtClean="0">
-                <a:latin typeface="Arial" panose="020B0604020202020204" pitchFamily="34" charset="0"/>
-                <a:cs typeface="Arial" panose="020B0604020202020204" pitchFamily="34" charset="0"/>
+                <a:latin typeface="Times New Roman" panose="02020603050405020304" pitchFamily="18" charset="0"/>
+                <a:cs typeface="Times New Roman" panose="02020603050405020304" pitchFamily="18" charset="0"/>
               </a:rPr>
               <a:t> </a:t>
             </a:r>
@@ -8788,8 +8922,8 @@
             </a:pPr>
             <a:r>
               <a:rPr lang="en-US" sz="2800" dirty="0" smtClean="0">
-                <a:latin typeface="Arial" panose="020B0604020202020204" pitchFamily="34" charset="0"/>
-                <a:cs typeface="Arial" panose="020B0604020202020204" pitchFamily="34" charset="0"/>
+                <a:latin typeface="Times New Roman" panose="02020603050405020304" pitchFamily="18" charset="0"/>
+                <a:cs typeface="Times New Roman" panose="02020603050405020304" pitchFamily="18" charset="0"/>
               </a:rPr>
               <a:t>Munged password  in python</a:t>
             </a:r>
@@ -8801,29 +8935,29 @@
             </a:pPr>
             <a:r>
               <a:rPr lang="en-US" sz="2800" dirty="0" smtClean="0">
-                <a:latin typeface="Arial" panose="020B0604020202020204" pitchFamily="34" charset="0"/>
-                <a:cs typeface="Arial" panose="020B0604020202020204" pitchFamily="34" charset="0"/>
+                <a:latin typeface="Times New Roman" panose="02020603050405020304" pitchFamily="18" charset="0"/>
+                <a:cs typeface="Times New Roman" panose="02020603050405020304" pitchFamily="18" charset="0"/>
               </a:rPr>
               <a:t>Intrusion detection demo with </a:t>
             </a:r>
             <a:r>
               <a:rPr lang="en-US" sz="2800" b="1" dirty="0" smtClean="0">
-                <a:latin typeface="Arial" panose="020B0604020202020204" pitchFamily="34" charset="0"/>
-                <a:cs typeface="Arial" panose="020B0604020202020204" pitchFamily="34" charset="0"/>
+                <a:latin typeface="Times New Roman" panose="02020603050405020304" pitchFamily="18" charset="0"/>
+                <a:cs typeface="Times New Roman" panose="02020603050405020304" pitchFamily="18" charset="0"/>
               </a:rPr>
               <a:t>Snort</a:t>
             </a:r>
             <a:r>
               <a:rPr lang="en-US" sz="2800" dirty="0" smtClean="0">
-                <a:latin typeface="Arial" panose="020B0604020202020204" pitchFamily="34" charset="0"/>
-                <a:cs typeface="Arial" panose="020B0604020202020204" pitchFamily="34" charset="0"/>
+                <a:latin typeface="Times New Roman" panose="02020603050405020304" pitchFamily="18" charset="0"/>
+                <a:cs typeface="Times New Roman" panose="02020603050405020304" pitchFamily="18" charset="0"/>
               </a:rPr>
               <a:t>, and </a:t>
             </a:r>
             <a:r>
               <a:rPr lang="en-US" sz="2800" b="1" dirty="0" smtClean="0">
-                <a:latin typeface="Arial" panose="020B0604020202020204" pitchFamily="34" charset="0"/>
-                <a:cs typeface="Arial" panose="020B0604020202020204" pitchFamily="34" charset="0"/>
+                <a:latin typeface="Times New Roman" panose="02020603050405020304" pitchFamily="18" charset="0"/>
+                <a:cs typeface="Times New Roman" panose="02020603050405020304" pitchFamily="18" charset="0"/>
               </a:rPr>
               <a:t>Wireshark</a:t>
             </a:r>
@@ -8835,22 +8969,22 @@
             </a:pPr>
             <a:r>
               <a:rPr lang="en-US" sz="2800" dirty="0" smtClean="0">
-                <a:latin typeface="Arial" panose="020B0604020202020204" pitchFamily="34" charset="0"/>
-                <a:cs typeface="Arial" panose="020B0604020202020204" pitchFamily="34" charset="0"/>
+                <a:latin typeface="Times New Roman" panose="02020603050405020304" pitchFamily="18" charset="0"/>
+                <a:cs typeface="Times New Roman" panose="02020603050405020304" pitchFamily="18" charset="0"/>
               </a:rPr>
               <a:t>Tools use by </a:t>
             </a:r>
             <a:r>
               <a:rPr lang="en-US" sz="2800" b="1" dirty="0" smtClean="0">
-                <a:latin typeface="Arial" panose="020B0604020202020204" pitchFamily="34" charset="0"/>
-                <a:cs typeface="Arial" panose="020B0604020202020204" pitchFamily="34" charset="0"/>
+                <a:latin typeface="Times New Roman" panose="02020603050405020304" pitchFamily="18" charset="0"/>
+                <a:cs typeface="Times New Roman" panose="02020603050405020304" pitchFamily="18" charset="0"/>
               </a:rPr>
               <a:t>cert</a:t>
             </a:r>
             <a:r>
               <a:rPr lang="en-US" sz="2800" dirty="0" smtClean="0">
-                <a:latin typeface="Arial" panose="020B0604020202020204" pitchFamily="34" charset="0"/>
-                <a:cs typeface="Arial" panose="020B0604020202020204" pitchFamily="34" charset="0"/>
+                <a:latin typeface="Times New Roman" panose="02020603050405020304" pitchFamily="18" charset="0"/>
+                <a:cs typeface="Times New Roman" panose="02020603050405020304" pitchFamily="18" charset="0"/>
               </a:rPr>
               <a:t> to monitor security</a:t>
             </a:r>
@@ -9103,8 +9237,8 @@
                 <a:solidFill>
                   <a:srgbClr val="2FB5A5"/>
                 </a:solidFill>
-                <a:latin typeface="Arial" panose="020B0604020202020204" pitchFamily="34" charset="0"/>
-                <a:cs typeface="Arial" panose="020B0604020202020204" pitchFamily="34" charset="0"/>
+                <a:latin typeface="Times New Roman" panose="02020603050405020304" pitchFamily="18" charset="0"/>
+                <a:cs typeface="Times New Roman" panose="02020603050405020304" pitchFamily="18" charset="0"/>
               </a:rPr>
               <a:t>Reactive results</a:t>
             </a:r>
@@ -9116,22 +9250,22 @@
             </a:pPr>
             <a:r>
               <a:rPr lang="en-US" sz="2800" dirty="0" smtClean="0">
-                <a:latin typeface="Arial" panose="020B0604020202020204" pitchFamily="34" charset="0"/>
-                <a:cs typeface="Arial" panose="020B0604020202020204" pitchFamily="34" charset="0"/>
+                <a:latin typeface="Times New Roman" panose="02020603050405020304" pitchFamily="18" charset="0"/>
+                <a:cs typeface="Times New Roman" panose="02020603050405020304" pitchFamily="18" charset="0"/>
               </a:rPr>
               <a:t>Sample of an </a:t>
             </a:r>
             <a:r>
               <a:rPr lang="en-US" sz="2800" b="1" dirty="0" smtClean="0">
-                <a:latin typeface="Arial" panose="020B0604020202020204" pitchFamily="34" charset="0"/>
-                <a:cs typeface="Arial" panose="020B0604020202020204" pitchFamily="34" charset="0"/>
+                <a:latin typeface="Times New Roman" panose="02020603050405020304" pitchFamily="18" charset="0"/>
+                <a:cs typeface="Times New Roman" panose="02020603050405020304" pitchFamily="18" charset="0"/>
               </a:rPr>
               <a:t>ROE</a:t>
             </a:r>
             <a:r>
               <a:rPr lang="en-US" sz="2800" dirty="0" smtClean="0">
-                <a:latin typeface="Arial" panose="020B0604020202020204" pitchFamily="34" charset="0"/>
-                <a:cs typeface="Arial" panose="020B0604020202020204" pitchFamily="34" charset="0"/>
+                <a:latin typeface="Times New Roman" panose="02020603050405020304" pitchFamily="18" charset="0"/>
+                <a:cs typeface="Times New Roman" panose="02020603050405020304" pitchFamily="18" charset="0"/>
               </a:rPr>
               <a:t>.</a:t>
             </a:r>
@@ -9143,8 +9277,8 @@
             </a:pPr>
             <a:r>
               <a:rPr lang="en-US" sz="2800" dirty="0" smtClean="0">
-                <a:latin typeface="Arial" panose="020B0604020202020204" pitchFamily="34" charset="0"/>
-                <a:cs typeface="Arial" panose="020B0604020202020204" pitchFamily="34" charset="0"/>
+                <a:latin typeface="Times New Roman" panose="02020603050405020304" pitchFamily="18" charset="0"/>
+                <a:cs typeface="Times New Roman" panose="02020603050405020304" pitchFamily="18" charset="0"/>
               </a:rPr>
               <a:t>Ethical hacking.</a:t>
             </a:r>
@@ -9156,22 +9290,22 @@
             </a:pPr>
             <a:r>
               <a:rPr lang="en-US" sz="2800" dirty="0" smtClean="0">
-                <a:latin typeface="Arial" panose="020B0604020202020204" pitchFamily="34" charset="0"/>
-                <a:cs typeface="Arial" panose="020B0604020202020204" pitchFamily="34" charset="0"/>
+                <a:latin typeface="Times New Roman" panose="02020603050405020304" pitchFamily="18" charset="0"/>
+                <a:cs typeface="Times New Roman" panose="02020603050405020304" pitchFamily="18" charset="0"/>
               </a:rPr>
               <a:t>Kali Linux tools for wireless offensive security; </a:t>
             </a:r>
             <a:r>
               <a:rPr lang="en-US" sz="2800" b="1" dirty="0" smtClean="0">
-                <a:latin typeface="Arial" panose="020B0604020202020204" pitchFamily="34" charset="0"/>
-                <a:cs typeface="Arial" panose="020B0604020202020204" pitchFamily="34" charset="0"/>
+                <a:latin typeface="Times New Roman" panose="02020603050405020304" pitchFamily="18" charset="0"/>
+                <a:cs typeface="Times New Roman" panose="02020603050405020304" pitchFamily="18" charset="0"/>
               </a:rPr>
               <a:t>NMAP</a:t>
             </a:r>
             <a:r>
               <a:rPr lang="en-US" sz="2800" dirty="0" smtClean="0">
-                <a:latin typeface="Arial" panose="020B0604020202020204" pitchFamily="34" charset="0"/>
-                <a:cs typeface="Arial" panose="020B0604020202020204" pitchFamily="34" charset="0"/>
+                <a:latin typeface="Times New Roman" panose="02020603050405020304" pitchFamily="18" charset="0"/>
+                <a:cs typeface="Times New Roman" panose="02020603050405020304" pitchFamily="18" charset="0"/>
               </a:rPr>
               <a:t>, etc.</a:t>
             </a:r>
@@ -9183,8 +9317,8 @@
             </a:pPr>
             <a:r>
               <a:rPr lang="en-US" sz="2800" dirty="0" smtClean="0">
-                <a:latin typeface="Arial" panose="020B0604020202020204" pitchFamily="34" charset="0"/>
-                <a:cs typeface="Arial" panose="020B0604020202020204" pitchFamily="34" charset="0"/>
+                <a:latin typeface="Times New Roman" panose="02020603050405020304" pitchFamily="18" charset="0"/>
+                <a:cs typeface="Times New Roman" panose="02020603050405020304" pitchFamily="18" charset="0"/>
               </a:rPr>
               <a:t>Vulnerability  assessment for wireless networks</a:t>
             </a:r>
@@ -9196,8 +9330,8 @@
             </a:pPr>
             <a:r>
               <a:rPr lang="en-US" sz="2800" dirty="0" smtClean="0">
-                <a:latin typeface="Arial" panose="020B0604020202020204" pitchFamily="34" charset="0"/>
-                <a:cs typeface="Arial" panose="020B0604020202020204" pitchFamily="34" charset="0"/>
+                <a:latin typeface="Times New Roman" panose="02020603050405020304" pitchFamily="18" charset="0"/>
+                <a:cs typeface="Times New Roman" panose="02020603050405020304" pitchFamily="18" charset="0"/>
               </a:rPr>
               <a:t>Penetration testing</a:t>
             </a:r>
@@ -9209,8 +9343,8 @@
             </a:pPr>
             <a:r>
               <a:rPr lang="en-US" sz="2800" dirty="0" smtClean="0">
-                <a:latin typeface="Arial" panose="020B0604020202020204" pitchFamily="34" charset="0"/>
-                <a:cs typeface="Arial" panose="020B0604020202020204" pitchFamily="34" charset="0"/>
+                <a:latin typeface="Times New Roman" panose="02020603050405020304" pitchFamily="18" charset="0"/>
+                <a:cs typeface="Times New Roman" panose="02020603050405020304" pitchFamily="18" charset="0"/>
               </a:rPr>
               <a:t>Social Engineering</a:t>
             </a:r>
@@ -9445,7 +9579,7 @@
         <p:spPr>
           <a:xfrm>
             <a:off x="814608" y="1417126"/>
-            <a:ext cx="10978463" cy="2677656"/>
+            <a:ext cx="10978463" cy="2246769"/>
           </a:xfrm>
           <a:prstGeom prst="rect">
             <a:avLst/>
@@ -9463,8 +9597,8 @@
                 <a:solidFill>
                   <a:srgbClr val="2FB5A5"/>
                 </a:solidFill>
-                <a:latin typeface="Arial" panose="020B0604020202020204" pitchFamily="34" charset="0"/>
-                <a:cs typeface="Arial" panose="020B0604020202020204" pitchFamily="34" charset="0"/>
+                <a:latin typeface="Times New Roman" panose="02020603050405020304" pitchFamily="18" charset="0"/>
+                <a:cs typeface="Times New Roman" panose="02020603050405020304" pitchFamily="18" charset="0"/>
               </a:rPr>
               <a:t>Regulation and policies presentation</a:t>
             </a:r>
@@ -9476,8 +9610,8 @@
             </a:pPr>
             <a:r>
               <a:rPr lang="en-US" sz="2800" dirty="0" smtClean="0">
-                <a:latin typeface="Arial" panose="020B0604020202020204" pitchFamily="34" charset="0"/>
-                <a:cs typeface="Arial" panose="020B0604020202020204" pitchFamily="34" charset="0"/>
+                <a:latin typeface="Times New Roman" panose="02020603050405020304" pitchFamily="18" charset="0"/>
+                <a:cs typeface="Times New Roman" panose="02020603050405020304" pitchFamily="18" charset="0"/>
               </a:rPr>
               <a:t>Operation of cert</a:t>
             </a:r>
@@ -9489,8 +9623,8 @@
             </a:pPr>
             <a:r>
               <a:rPr lang="en-US" sz="2800" dirty="0" smtClean="0">
-                <a:latin typeface="Arial" panose="020B0604020202020204" pitchFamily="34" charset="0"/>
-                <a:cs typeface="Arial" panose="020B0604020202020204" pitchFamily="34" charset="0"/>
+                <a:latin typeface="Times New Roman" panose="02020603050405020304" pitchFamily="18" charset="0"/>
+                <a:cs typeface="Times New Roman" panose="02020603050405020304" pitchFamily="18" charset="0"/>
               </a:rPr>
               <a:t>Information policy  of Uganda </a:t>
             </a:r>
@@ -9502,8 +9636,8 @@
             </a:pPr>
             <a:r>
               <a:rPr lang="en-US" sz="2800" dirty="0" smtClean="0">
-                <a:latin typeface="Arial" panose="020B0604020202020204" pitchFamily="34" charset="0"/>
-                <a:cs typeface="Arial" panose="020B0604020202020204" pitchFamily="34" charset="0"/>
+                <a:latin typeface="Times New Roman" panose="02020603050405020304" pitchFamily="18" charset="0"/>
+                <a:cs typeface="Times New Roman" panose="02020603050405020304" pitchFamily="18" charset="0"/>
               </a:rPr>
               <a:t>Hacking impact in the recent past, and its damage</a:t>
             </a:r>
@@ -9515,21 +9649,21 @@
             </a:pPr>
             <a:r>
               <a:rPr lang="en-US" sz="2800" dirty="0" smtClean="0">
-                <a:latin typeface="Arial" panose="020B0604020202020204" pitchFamily="34" charset="0"/>
-                <a:cs typeface="Arial" panose="020B0604020202020204" pitchFamily="34" charset="0"/>
+                <a:latin typeface="Times New Roman" panose="02020603050405020304" pitchFamily="18" charset="0"/>
+                <a:cs typeface="Times New Roman" panose="02020603050405020304" pitchFamily="18" charset="0"/>
               </a:rPr>
               <a:t>Other policies relating to cyber security, GDPR, IEEE Regulations, </a:t>
             </a:r>
             <a:r>
               <a:rPr lang="en-US" sz="2800" dirty="0" err="1" smtClean="0">
-                <a:latin typeface="Arial" panose="020B0604020202020204" pitchFamily="34" charset="0"/>
-                <a:cs typeface="Arial" panose="020B0604020202020204" pitchFamily="34" charset="0"/>
+                <a:latin typeface="Times New Roman" panose="02020603050405020304" pitchFamily="18" charset="0"/>
+                <a:cs typeface="Times New Roman" panose="02020603050405020304" pitchFamily="18" charset="0"/>
               </a:rPr>
               <a:t>etc</a:t>
             </a:r>
             <a:endParaRPr lang="en-US" sz="2800" dirty="0" smtClean="0">
-              <a:latin typeface="Arial" panose="020B0604020202020204" pitchFamily="34" charset="0"/>
-              <a:cs typeface="Arial" panose="020B0604020202020204" pitchFamily="34" charset="0"/>
+              <a:latin typeface="Times New Roman" panose="02020603050405020304" pitchFamily="18" charset="0"/>
+              <a:cs typeface="Times New Roman" panose="02020603050405020304" pitchFamily="18" charset="0"/>
             </a:endParaRPr>
           </a:p>
         </p:txBody>
@@ -9777,8 +9911,8 @@
           <a:p>
             <a:r>
               <a:rPr lang="en-US" sz="2800" dirty="0" smtClean="0">
-                <a:latin typeface="Arial" panose="020B0604020202020204" pitchFamily="34" charset="0"/>
-                <a:cs typeface="Arial" panose="020B0604020202020204" pitchFamily="34" charset="0"/>
+                <a:latin typeface="Times New Roman" panose="02020603050405020304" pitchFamily="18" charset="0"/>
+                <a:cs typeface="Times New Roman" panose="02020603050405020304" pitchFamily="18" charset="0"/>
               </a:rPr>
               <a:t>The following will be incurred as the project goes on to completion</a:t>
             </a:r>
@@ -9812,8 +9946,8 @@
                 <a:solidFill>
                   <a:srgbClr val="2FB5A5"/>
                 </a:solidFill>
-                <a:latin typeface="Arial" panose="020B0604020202020204" pitchFamily="34" charset="0"/>
-                <a:cs typeface="Arial" panose="020B0604020202020204" pitchFamily="34" charset="0"/>
+                <a:latin typeface="Times New Roman" panose="02020603050405020304" pitchFamily="18" charset="0"/>
+                <a:cs typeface="Times New Roman" panose="02020603050405020304" pitchFamily="18" charset="0"/>
               </a:rPr>
               <a:t>Estimated budget for the project</a:t>
             </a:r>
@@ -10011,14 +10145,14 @@
           <p:nvPr>
             <p:extLst>
               <p:ext uri="{D42A27DB-BD31-4B8C-83A1-F6EECF244321}">
-                <p14:modId xmlns:p14="http://schemas.microsoft.com/office/powerpoint/2010/main" val="473858565"/>
+                <p14:modId xmlns:p14="http://schemas.microsoft.com/office/powerpoint/2010/main" val="4258589474"/>
               </p:ext>
             </p:extLst>
           </p:nvPr>
         </p:nvGraphicFramePr>
         <p:xfrm>
           <a:off x="1415677" y="2112776"/>
-          <a:ext cx="9303124" cy="3111185"/>
+          <a:ext cx="8452188" cy="3111185"/>
         </p:xfrm>
         <a:graphic>
           <a:graphicData uri="http://schemas.openxmlformats.org/drawingml/2006/table">
@@ -10029,13 +10163,6 @@
                   <a:extLst>
                     <a:ext uri="{9D8B030D-6E8A-4147-A177-3AD203B41FA5}">
                       <a16:colId xmlns:a16="http://schemas.microsoft.com/office/drawing/2014/main" val="20001"/>
-                    </a:ext>
-                  </a:extLst>
-                </a:gridCol>
-                <a:gridCol w="850936">
-                  <a:extLst>
-                    <a:ext uri="{9D8B030D-6E8A-4147-A177-3AD203B41FA5}">
-                      <a16:colId xmlns:a16="http://schemas.microsoft.com/office/drawing/2014/main" val="3007357907"/>
                     </a:ext>
                   </a:extLst>
                 </a:gridCol>
@@ -10128,80 +10255,7 @@
                       <a:prstDash val="solid"/>
                     </a:lnBlToTr>
                     <a:solidFill>
-                      <a:srgbClr val="009999"/>
-                    </a:solidFill>
-                  </a:tcPr>
-                </a:tc>
-                <a:tc>
-                  <a:txBody>
-                    <a:bodyPr/>
-                    <a:lstStyle/>
-                    <a:p>
-                      <a:pPr marL="0" marR="0" algn="ctr">
-                        <a:lnSpc>
-                          <a:spcPct val="115000"/>
-                        </a:lnSpc>
-                        <a:spcBef>
-                          <a:spcPts val="0"/>
-                        </a:spcBef>
-                        <a:spcAft>
-                          <a:spcPts val="0"/>
-                        </a:spcAft>
-                      </a:pPr>
-                      <a:endParaRPr lang="en-US" sz="1400" dirty="0">
-                        <a:latin typeface="Times New Roman" panose="02020603050405020304" pitchFamily="18" charset="0"/>
-                        <a:ea typeface="Calibri"/>
-                        <a:cs typeface="Times New Roman" panose="02020603050405020304" pitchFamily="18" charset="0"/>
-                      </a:endParaRPr>
-                    </a:p>
-                  </a:txBody>
-                  <a:tcPr marL="68580" marR="68580" marT="0" marB="0">
-                    <a:lnL w="12700" cap="flat" cmpd="sng" algn="ctr">
-                      <a:solidFill>
-                        <a:schemeClr val="tx1"/>
-                      </a:solidFill>
-                      <a:prstDash val="solid"/>
-                      <a:round/>
-                      <a:headEnd type="none" w="med" len="med"/>
-                      <a:tailEnd type="none" w="med" len="med"/>
-                    </a:lnL>
-                    <a:lnR w="12700" cap="flat" cmpd="sng" algn="ctr">
-                      <a:solidFill>
-                        <a:schemeClr val="tx1"/>
-                      </a:solidFill>
-                      <a:prstDash val="solid"/>
-                      <a:round/>
-                      <a:headEnd type="none" w="med" len="med"/>
-                      <a:tailEnd type="none" w="med" len="med"/>
-                    </a:lnR>
-                    <a:lnT w="12700" cap="flat" cmpd="sng" algn="ctr">
-                      <a:solidFill>
-                        <a:schemeClr val="tx1"/>
-                      </a:solidFill>
-                      <a:prstDash val="solid"/>
-                      <a:round/>
-                      <a:headEnd type="none" w="med" len="med"/>
-                      <a:tailEnd type="none" w="med" len="med"/>
-                    </a:lnT>
-                    <a:lnB w="12700" cap="flat" cmpd="sng" algn="ctr">
-                      <a:solidFill>
-                        <a:schemeClr val="tx1"/>
-                      </a:solidFill>
-                      <a:prstDash val="solid"/>
-                      <a:round/>
-                      <a:headEnd type="none" w="med" len="med"/>
-                      <a:tailEnd type="none" w="med" len="med"/>
-                    </a:lnB>
-                    <a:lnTlToBr w="12700" cmpd="sng">
-                      <a:noFill/>
-                      <a:prstDash val="solid"/>
-                    </a:lnTlToBr>
-                    <a:lnBlToTr w="12700" cmpd="sng">
-                      <a:noFill/>
-                      <a:prstDash val="solid"/>
-                    </a:lnBlToTr>
-                    <a:solidFill>
-                      <a:srgbClr val="009999"/>
+                      <a:srgbClr val="33CCCC"/>
                     </a:solidFill>
                   </a:tcPr>
                 </a:tc>
@@ -10285,7 +10339,7 @@
                       <a:prstDash val="solid"/>
                     </a:lnBlToTr>
                     <a:solidFill>
-                      <a:srgbClr val="009999"/>
+                      <a:srgbClr val="33CCCC"/>
                     </a:solidFill>
                   </a:tcPr>
                 </a:tc>
@@ -10372,76 +10426,9 @@
                       <a:noFill/>
                       <a:prstDash val="solid"/>
                     </a:lnBlToTr>
-                  </a:tcPr>
-                </a:tc>
-                <a:tc>
-                  <a:txBody>
-                    <a:bodyPr/>
-                    <a:lstStyle/>
-                    <a:p>
-                      <a:pPr marL="0" marR="0">
-                        <a:lnSpc>
-                          <a:spcPct val="115000"/>
-                        </a:lnSpc>
-                        <a:spcBef>
-                          <a:spcPts val="0"/>
-                        </a:spcBef>
-                        <a:spcAft>
-                          <a:spcPts val="0"/>
-                        </a:spcAft>
-                      </a:pPr>
-                      <a:endParaRPr lang="en-US" sz="1400" dirty="0">
-                        <a:latin typeface="Times New Roman" panose="02020603050405020304" pitchFamily="18" charset="0"/>
-                        <a:ea typeface="Calibri"/>
-                        <a:cs typeface="Times New Roman" panose="02020603050405020304" pitchFamily="18" charset="0"/>
-                      </a:endParaRPr>
-                    </a:p>
-                  </a:txBody>
-                  <a:tcPr marL="68580" marR="68580" marT="0" marB="0">
-                    <a:lnL w="12700" cap="flat" cmpd="sng" algn="ctr">
-                      <a:solidFill>
-                        <a:schemeClr val="tx1"/>
-                      </a:solidFill>
-                      <a:prstDash val="solid"/>
-                      <a:round/>
-                      <a:headEnd type="none" w="med" len="med"/>
-                      <a:tailEnd type="none" w="med" len="med"/>
-                    </a:lnL>
-                    <a:lnR w="12700" cap="flat" cmpd="sng" algn="ctr">
-                      <a:solidFill>
-                        <a:schemeClr val="tx1"/>
-                      </a:solidFill>
-                      <a:prstDash val="solid"/>
-                      <a:round/>
-                      <a:headEnd type="none" w="med" len="med"/>
-                      <a:tailEnd type="none" w="med" len="med"/>
-                    </a:lnR>
-                    <a:lnT w="12700" cap="flat" cmpd="sng" algn="ctr">
-                      <a:solidFill>
-                        <a:schemeClr val="tx1"/>
-                      </a:solidFill>
-                      <a:prstDash val="solid"/>
-                      <a:round/>
-                      <a:headEnd type="none" w="med" len="med"/>
-                      <a:tailEnd type="none" w="med" len="med"/>
-                    </a:lnT>
-                    <a:lnB w="12700" cap="flat" cmpd="sng" algn="ctr">
-                      <a:solidFill>
-                        <a:schemeClr val="tx1"/>
-                      </a:solidFill>
-                      <a:prstDash val="solid"/>
-                      <a:round/>
-                      <a:headEnd type="none" w="med" len="med"/>
-                      <a:tailEnd type="none" w="med" len="med"/>
-                    </a:lnB>
-                    <a:lnTlToBr w="12700" cmpd="sng">
-                      <a:noFill/>
-                      <a:prstDash val="solid"/>
-                    </a:lnTlToBr>
-                    <a:lnBlToTr w="12700" cmpd="sng">
-                      <a:noFill/>
-                      <a:prstDash val="solid"/>
-                    </a:lnBlToTr>
+                    <a:solidFill>
+                      <a:srgbClr val="33CCCC"/>
+                    </a:solidFill>
                   </a:tcPr>
                 </a:tc>
                 <a:tc>
@@ -10533,6 +10520,9 @@
                       <a:noFill/>
                       <a:prstDash val="solid"/>
                     </a:lnBlToTr>
+                    <a:solidFill>
+                      <a:srgbClr val="33CCCC"/>
+                    </a:solidFill>
                   </a:tcPr>
                 </a:tc>
                 <a:extLst>
@@ -10621,76 +10611,9 @@
                       <a:noFill/>
                       <a:prstDash val="solid"/>
                     </a:lnBlToTr>
-                  </a:tcPr>
-                </a:tc>
-                <a:tc>
-                  <a:txBody>
-                    <a:bodyPr/>
-                    <a:lstStyle/>
-                    <a:p>
-                      <a:pPr marL="0" marR="0">
-                        <a:lnSpc>
-                          <a:spcPct val="115000"/>
-                        </a:lnSpc>
-                        <a:spcBef>
-                          <a:spcPts val="0"/>
-                        </a:spcBef>
-                        <a:spcAft>
-                          <a:spcPts val="0"/>
-                        </a:spcAft>
-                      </a:pPr>
-                      <a:endParaRPr lang="en-US" sz="1400" dirty="0">
-                        <a:latin typeface="Times New Roman" panose="02020603050405020304" pitchFamily="18" charset="0"/>
-                        <a:ea typeface="Calibri"/>
-                        <a:cs typeface="Times New Roman" panose="02020603050405020304" pitchFamily="18" charset="0"/>
-                      </a:endParaRPr>
-                    </a:p>
-                  </a:txBody>
-                  <a:tcPr marL="68580" marR="68580" marT="0" marB="0">
-                    <a:lnL w="12700" cap="flat" cmpd="sng" algn="ctr">
-                      <a:solidFill>
-                        <a:schemeClr val="tx1"/>
-                      </a:solidFill>
-                      <a:prstDash val="solid"/>
-                      <a:round/>
-                      <a:headEnd type="none" w="med" len="med"/>
-                      <a:tailEnd type="none" w="med" len="med"/>
-                    </a:lnL>
-                    <a:lnR w="12700" cap="flat" cmpd="sng" algn="ctr">
-                      <a:solidFill>
-                        <a:schemeClr val="tx1"/>
-                      </a:solidFill>
-                      <a:prstDash val="solid"/>
-                      <a:round/>
-                      <a:headEnd type="none" w="med" len="med"/>
-                      <a:tailEnd type="none" w="med" len="med"/>
-                    </a:lnR>
-                    <a:lnT w="12700" cap="flat" cmpd="sng" algn="ctr">
-                      <a:solidFill>
-                        <a:schemeClr val="tx1"/>
-                      </a:solidFill>
-                      <a:prstDash val="solid"/>
-                      <a:round/>
-                      <a:headEnd type="none" w="med" len="med"/>
-                      <a:tailEnd type="none" w="med" len="med"/>
-                    </a:lnT>
-                    <a:lnB w="12700" cap="flat" cmpd="sng" algn="ctr">
-                      <a:solidFill>
-                        <a:schemeClr val="tx1"/>
-                      </a:solidFill>
-                      <a:prstDash val="solid"/>
-                      <a:round/>
-                      <a:headEnd type="none" w="med" len="med"/>
-                      <a:tailEnd type="none" w="med" len="med"/>
-                    </a:lnB>
-                    <a:lnTlToBr w="12700" cmpd="sng">
-                      <a:noFill/>
-                      <a:prstDash val="solid"/>
-                    </a:lnTlToBr>
-                    <a:lnBlToTr w="12700" cmpd="sng">
-                      <a:noFill/>
-                      <a:prstDash val="solid"/>
-                    </a:lnBlToTr>
+                    <a:solidFill>
+                      <a:srgbClr val="33CCCC"/>
+                    </a:solidFill>
                   </a:tcPr>
                 </a:tc>
                 <a:tc>
@@ -10782,6 +10705,9 @@
                       <a:noFill/>
                       <a:prstDash val="solid"/>
                     </a:lnBlToTr>
+                    <a:solidFill>
+                      <a:srgbClr val="33CCCC"/>
+                    </a:solidFill>
                   </a:tcPr>
                 </a:tc>
                 <a:extLst>
@@ -10867,76 +10793,9 @@
                       <a:noFill/>
                       <a:prstDash val="solid"/>
                     </a:lnBlToTr>
-                  </a:tcPr>
-                </a:tc>
-                <a:tc>
-                  <a:txBody>
-                    <a:bodyPr/>
-                    <a:lstStyle/>
-                    <a:p>
-                      <a:pPr marL="0" marR="0">
-                        <a:lnSpc>
-                          <a:spcPct val="115000"/>
-                        </a:lnSpc>
-                        <a:spcBef>
-                          <a:spcPts val="0"/>
-                        </a:spcBef>
-                        <a:spcAft>
-                          <a:spcPts val="0"/>
-                        </a:spcAft>
-                      </a:pPr>
-                      <a:endParaRPr lang="en-US" sz="1400" dirty="0">
-                        <a:latin typeface="Times New Roman" panose="02020603050405020304" pitchFamily="18" charset="0"/>
-                        <a:ea typeface="Calibri"/>
-                        <a:cs typeface="Times New Roman" panose="02020603050405020304" pitchFamily="18" charset="0"/>
-                      </a:endParaRPr>
-                    </a:p>
-                  </a:txBody>
-                  <a:tcPr marL="68580" marR="68580" marT="0" marB="0">
-                    <a:lnL w="12700" cap="flat" cmpd="sng" algn="ctr">
-                      <a:solidFill>
-                        <a:schemeClr val="tx1"/>
-                      </a:solidFill>
-                      <a:prstDash val="solid"/>
-                      <a:round/>
-                      <a:headEnd type="none" w="med" len="med"/>
-                      <a:tailEnd type="none" w="med" len="med"/>
-                    </a:lnL>
-                    <a:lnR w="12700" cap="flat" cmpd="sng" algn="ctr">
-                      <a:solidFill>
-                        <a:schemeClr val="tx1"/>
-                      </a:solidFill>
-                      <a:prstDash val="solid"/>
-                      <a:round/>
-                      <a:headEnd type="none" w="med" len="med"/>
-                      <a:tailEnd type="none" w="med" len="med"/>
-                    </a:lnR>
-                    <a:lnT w="12700" cap="flat" cmpd="sng" algn="ctr">
-                      <a:solidFill>
-                        <a:schemeClr val="tx1"/>
-                      </a:solidFill>
-                      <a:prstDash val="solid"/>
-                      <a:round/>
-                      <a:headEnd type="none" w="med" len="med"/>
-                      <a:tailEnd type="none" w="med" len="med"/>
-                    </a:lnT>
-                    <a:lnB w="12700" cap="flat" cmpd="sng" algn="ctr">
-                      <a:solidFill>
-                        <a:schemeClr val="tx1"/>
-                      </a:solidFill>
-                      <a:prstDash val="solid"/>
-                      <a:round/>
-                      <a:headEnd type="none" w="med" len="med"/>
-                      <a:tailEnd type="none" w="med" len="med"/>
-                    </a:lnB>
-                    <a:lnTlToBr w="12700" cmpd="sng">
-                      <a:noFill/>
-                      <a:prstDash val="solid"/>
-                    </a:lnTlToBr>
-                    <a:lnBlToTr w="12700" cmpd="sng">
-                      <a:noFill/>
-                      <a:prstDash val="solid"/>
-                    </a:lnBlToTr>
+                    <a:solidFill>
+                      <a:srgbClr val="33CCCC"/>
+                    </a:solidFill>
                   </a:tcPr>
                 </a:tc>
                 <a:tc>
@@ -11028,6 +10887,9 @@
                       <a:noFill/>
                       <a:prstDash val="solid"/>
                     </a:lnBlToTr>
+                    <a:solidFill>
+                      <a:srgbClr val="33CCCC"/>
+                    </a:solidFill>
                   </a:tcPr>
                 </a:tc>
                 <a:extLst>
@@ -11113,76 +10975,9 @@
                       <a:noFill/>
                       <a:prstDash val="solid"/>
                     </a:lnBlToTr>
-                  </a:tcPr>
-                </a:tc>
-                <a:tc>
-                  <a:txBody>
-                    <a:bodyPr/>
-                    <a:lstStyle/>
-                    <a:p>
-                      <a:pPr marL="0" marR="0">
-                        <a:lnSpc>
-                          <a:spcPct val="115000"/>
-                        </a:lnSpc>
-                        <a:spcBef>
-                          <a:spcPts val="0"/>
-                        </a:spcBef>
-                        <a:spcAft>
-                          <a:spcPts val="0"/>
-                        </a:spcAft>
-                      </a:pPr>
-                      <a:endParaRPr lang="en-US" sz="1400" dirty="0">
-                        <a:latin typeface="Times New Roman" panose="02020603050405020304" pitchFamily="18" charset="0"/>
-                        <a:ea typeface="Calibri"/>
-                        <a:cs typeface="Times New Roman" panose="02020603050405020304" pitchFamily="18" charset="0"/>
-                      </a:endParaRPr>
-                    </a:p>
-                  </a:txBody>
-                  <a:tcPr marL="68580" marR="68580" marT="0" marB="0">
-                    <a:lnL w="12700" cap="flat" cmpd="sng" algn="ctr">
-                      <a:solidFill>
-                        <a:schemeClr val="tx1"/>
-                      </a:solidFill>
-                      <a:prstDash val="solid"/>
-                      <a:round/>
-                      <a:headEnd type="none" w="med" len="med"/>
-                      <a:tailEnd type="none" w="med" len="med"/>
-                    </a:lnL>
-                    <a:lnR w="12700" cap="flat" cmpd="sng" algn="ctr">
-                      <a:solidFill>
-                        <a:schemeClr val="tx1"/>
-                      </a:solidFill>
-                      <a:prstDash val="solid"/>
-                      <a:round/>
-                      <a:headEnd type="none" w="med" len="med"/>
-                      <a:tailEnd type="none" w="med" len="med"/>
-                    </a:lnR>
-                    <a:lnT w="12700" cap="flat" cmpd="sng" algn="ctr">
-                      <a:solidFill>
-                        <a:schemeClr val="tx1"/>
-                      </a:solidFill>
-                      <a:prstDash val="solid"/>
-                      <a:round/>
-                      <a:headEnd type="none" w="med" len="med"/>
-                      <a:tailEnd type="none" w="med" len="med"/>
-                    </a:lnT>
-                    <a:lnB w="12700" cap="flat" cmpd="sng" algn="ctr">
-                      <a:solidFill>
-                        <a:schemeClr val="tx1"/>
-                      </a:solidFill>
-                      <a:prstDash val="solid"/>
-                      <a:round/>
-                      <a:headEnd type="none" w="med" len="med"/>
-                      <a:tailEnd type="none" w="med" len="med"/>
-                    </a:lnB>
-                    <a:lnTlToBr w="12700" cmpd="sng">
-                      <a:noFill/>
-                      <a:prstDash val="solid"/>
-                    </a:lnTlToBr>
-                    <a:lnBlToTr w="12700" cmpd="sng">
-                      <a:noFill/>
-                      <a:prstDash val="solid"/>
-                    </a:lnBlToTr>
+                    <a:solidFill>
+                      <a:srgbClr val="33CCCC"/>
+                    </a:solidFill>
                   </a:tcPr>
                 </a:tc>
                 <a:tc>
@@ -11274,6 +11069,9 @@
                       <a:noFill/>
                       <a:prstDash val="solid"/>
                     </a:lnBlToTr>
+                    <a:solidFill>
+                      <a:srgbClr val="33CCCC"/>
+                    </a:solidFill>
                   </a:tcPr>
                 </a:tc>
                 <a:extLst>
@@ -11287,6 +11085,32 @@
                   <a:txBody>
                     <a:bodyPr/>
                     <a:lstStyle/>
+                    <a:p>
+                      <a:pPr marL="0" marR="0" lvl="0" indent="0" algn="l" defTabSz="914400" rtl="0" eaLnBrk="1" fontAlgn="auto" latinLnBrk="0" hangingPunct="1">
+                        <a:lnSpc>
+                          <a:spcPct val="115000"/>
+                        </a:lnSpc>
+                        <a:spcBef>
+                          <a:spcPts val="0"/>
+                        </a:spcBef>
+                        <a:spcAft>
+                          <a:spcPts val="0"/>
+                        </a:spcAft>
+                        <a:buClrTx/>
+                        <a:buSzTx/>
+                        <a:buFontTx/>
+                        <a:buNone/>
+                        <a:tabLst/>
+                        <a:defRPr/>
+                      </a:pPr>
+                      <a:r>
+                        <a:rPr lang="en-GB" sz="1400" dirty="0" smtClean="0">
+                          <a:latin typeface="Times New Roman" panose="02020603050405020304" pitchFamily="18" charset="0"/>
+                          <a:cs typeface="Times New Roman" panose="02020603050405020304" pitchFamily="18" charset="0"/>
+                        </a:rPr>
+                        <a:t>Total</a:t>
+                      </a:r>
+                    </a:p>
                     <a:p>
                       <a:pPr marL="0" marR="0">
                         <a:lnSpc>
@@ -11352,75 +11176,7 @@
                       <a:prstDash val="solid"/>
                     </a:lnBlToTr>
                     <a:solidFill>
-                      <a:srgbClr val="009999"/>
-                    </a:solidFill>
-                  </a:tcPr>
-                </a:tc>
-                <a:tc>
-                  <a:txBody>
-                    <a:bodyPr/>
-                    <a:lstStyle/>
-                    <a:p>
-                      <a:r>
-                        <a:rPr lang="en-GB" dirty="0" smtClean="0">
-                          <a:latin typeface="Times New Roman" panose="02020603050405020304" pitchFamily="18" charset="0"/>
-                          <a:cs typeface="Times New Roman" panose="02020603050405020304" pitchFamily="18" charset="0"/>
-                        </a:rPr>
-                        <a:t>Total</a:t>
-                      </a:r>
-                      <a:endParaRPr lang="en-GB" dirty="0">
-                        <a:latin typeface="Times New Roman" panose="02020603050405020304" pitchFamily="18" charset="0"/>
-                        <a:cs typeface="Times New Roman" panose="02020603050405020304" pitchFamily="18" charset="0"/>
-                      </a:endParaRPr>
-                    </a:p>
-                  </a:txBody>
-                  <a:tcPr marL="68580" marR="68580" marT="0" marB="0">
-                    <a:lnL w="12700" cap="flat" cmpd="sng" algn="ctr">
-                      <a:solidFill>
-                        <a:schemeClr val="tx1"/>
-                      </a:solidFill>
-                      <a:prstDash val="solid"/>
-                      <a:round/>
-                      <a:headEnd type="none" w="med" len="med"/>
-                      <a:tailEnd type="none" w="med" len="med"/>
-                    </a:lnL>
-                    <a:lnR w="12700" cap="flat" cmpd="sng" algn="ctr">
-                      <a:solidFill>
-                        <a:schemeClr val="tx1"/>
-                      </a:solidFill>
-                      <a:prstDash val="solid"/>
-                      <a:round/>
-                      <a:headEnd type="none" w="med" len="med"/>
-                      <a:tailEnd type="none" w="med" len="med"/>
-                    </a:lnR>
-                    <a:lnT w="12700" cap="flat" cmpd="sng" algn="ctr">
-                      <a:solidFill>
-                        <a:schemeClr val="tx1"/>
-                      </a:solidFill>
-                      <a:prstDash val="solid"/>
-                      <a:round/>
-                      <a:headEnd type="none" w="med" len="med"/>
-                      <a:tailEnd type="none" w="med" len="med"/>
-                    </a:lnT>
-                    <a:lnB w="12700" cap="flat" cmpd="sng" algn="ctr">
-                      <a:solidFill>
-                        <a:schemeClr val="tx1"/>
-                      </a:solidFill>
-                      <a:prstDash val="solid"/>
-                      <a:round/>
-                      <a:headEnd type="none" w="med" len="med"/>
-                      <a:tailEnd type="none" w="med" len="med"/>
-                    </a:lnB>
-                    <a:lnTlToBr w="12700" cmpd="sng">
-                      <a:noFill/>
-                      <a:prstDash val="solid"/>
-                    </a:lnTlToBr>
-                    <a:lnBlToTr w="12700" cmpd="sng">
-                      <a:noFill/>
-                      <a:prstDash val="solid"/>
-                    </a:lnBlToTr>
-                    <a:solidFill>
-                      <a:srgbClr val="009999"/>
+                      <a:srgbClr val="33CCCC"/>
                     </a:solidFill>
                   </a:tcPr>
                 </a:tc>
@@ -11514,7 +11270,7 @@
                       <a:prstDash val="solid"/>
                     </a:lnBlToTr>
                     <a:solidFill>
-                      <a:srgbClr val="009999"/>
+                      <a:srgbClr val="33CCCC"/>
                     </a:solidFill>
                   </a:tcPr>
                 </a:tc>
@@ -11592,8 +11348,8 @@
                 <a:solidFill>
                   <a:srgbClr val="2FB5A5"/>
                 </a:solidFill>
-                <a:latin typeface="Arial" panose="020B0604020202020204" pitchFamily="34" charset="0"/>
-                <a:cs typeface="Arial" panose="020B0604020202020204" pitchFamily="34" charset="0"/>
+                <a:latin typeface="Times New Roman" panose="02020603050405020304" pitchFamily="18" charset="0"/>
+                <a:cs typeface="Times New Roman" panose="02020603050405020304" pitchFamily="18" charset="0"/>
               </a:rPr>
               <a:t>Proposed project schedule</a:t>
             </a:r>
@@ -16069,15 +15825,15 @@
                 <a:solidFill>
                   <a:srgbClr val="2FB5A5"/>
                 </a:solidFill>
-                <a:latin typeface="Arial" panose="020B0604020202020204" pitchFamily="34" charset="0"/>
-                <a:cs typeface="Arial" panose="020B0604020202020204" pitchFamily="34" charset="0"/>
+                <a:latin typeface="Times New Roman" panose="02020603050405020304" pitchFamily="18" charset="0"/>
+                <a:cs typeface="Times New Roman" panose="02020603050405020304" pitchFamily="18" charset="0"/>
               </a:rPr>
               <a:t>References</a:t>
             </a:r>
             <a:r>
               <a:rPr lang="en-US" sz="3600" dirty="0" smtClean="0">
-                <a:latin typeface="Arial" panose="020B0604020202020204" pitchFamily="34" charset="0"/>
-                <a:cs typeface="Arial" panose="020B0604020202020204" pitchFamily="34" charset="0"/>
+                <a:latin typeface="Times New Roman" panose="02020603050405020304" pitchFamily="18" charset="0"/>
+                <a:cs typeface="Times New Roman" panose="02020603050405020304" pitchFamily="18" charset="0"/>
               </a:rPr>
               <a:t> </a:t>
             </a:r>
@@ -16093,7 +15849,7 @@
         <p:spPr>
           <a:xfrm>
             <a:off x="606767" y="1749505"/>
-            <a:ext cx="6024021" cy="369332"/>
+            <a:ext cx="5664820" cy="369332"/>
           </a:xfrm>
           <a:prstGeom prst="rect">
             <a:avLst/>
@@ -16107,11 +15863,11 @@
           <a:p>
             <a:r>
               <a:rPr lang="en-US" dirty="0">
-                <a:latin typeface="DejaVuSansMono"/>
+                <a:latin typeface="Times New Roman" panose="02020603050405020304" pitchFamily="18" charset="0"/>
+                <a:cs typeface="Times New Roman" panose="02020603050405020304" pitchFamily="18" charset="0"/>
               </a:rPr>
               <a:t>https://www.offensive-security.com/kali-linux-arm-images/</a:t>
             </a:r>
-            <a:endParaRPr lang="en-US" dirty="0"/>
           </a:p>
         </p:txBody>
       </p:sp>
@@ -16124,7 +15880,7 @@
         <p:spPr>
           <a:xfrm>
             <a:off x="606767" y="2035024"/>
-            <a:ext cx="6053901" cy="369332"/>
+            <a:ext cx="5675593" cy="369332"/>
           </a:xfrm>
           <a:prstGeom prst="rect">
             <a:avLst/>
@@ -16138,11 +15894,11 @@
           <a:p>
             <a:r>
               <a:rPr lang="en-US" dirty="0">
-                <a:latin typeface="DejaVuSansMono"/>
+                <a:latin typeface="Times New Roman" panose="02020603050405020304" pitchFamily="18" charset="0"/>
+                <a:cs typeface="Times New Roman" panose="02020603050405020304" pitchFamily="18" charset="0"/>
               </a:rPr>
               <a:t>https://github.com/offensive-security/kali-arm-build-scripts</a:t>
             </a:r>
-            <a:endParaRPr lang="en-US" dirty="0"/>
           </a:p>
         </p:txBody>
       </p:sp>
@@ -16392,8 +16148,8 @@
                 <a:solidFill>
                   <a:srgbClr val="2FB5A5"/>
                 </a:solidFill>
-                <a:latin typeface="Arial" panose="020B0604020202020204" pitchFamily="34" charset="0"/>
-                <a:cs typeface="Arial" panose="020B0604020202020204" pitchFamily="34" charset="0"/>
+                <a:latin typeface="Times New Roman" panose="02020603050405020304" pitchFamily="18" charset="0"/>
+                <a:cs typeface="Times New Roman" panose="02020603050405020304" pitchFamily="18" charset="0"/>
               </a:rPr>
               <a:t>Thank you</a:t>
             </a:r>
@@ -17313,7 +17069,7 @@
         <p:spPr>
           <a:xfrm>
             <a:off x="5062643" y="254621"/>
-            <a:ext cx="3979166" cy="646331"/>
+            <a:ext cx="4331314" cy="646331"/>
           </a:xfrm>
           <a:prstGeom prst="rect">
             <a:avLst/>
@@ -17331,6 +17087,8 @@
                 <a:solidFill>
                   <a:srgbClr val="2FB5A5"/>
                 </a:solidFill>
+                <a:latin typeface="Times New Roman" panose="02020603050405020304" pitchFamily="18" charset="0"/>
+                <a:cs typeface="Times New Roman" panose="02020603050405020304" pitchFamily="18" charset="0"/>
               </a:rPr>
               <a:t>Background…cont’d</a:t>
             </a:r>
@@ -17338,8 +17096,8 @@
               <a:solidFill>
                 <a:srgbClr val="2FB5A5"/>
               </a:solidFill>
-              <a:latin typeface="Arial" panose="020B0604020202020204" pitchFamily="34" charset="0"/>
-              <a:cs typeface="Arial" panose="020B0604020202020204" pitchFamily="34" charset="0"/>
+              <a:latin typeface="Times New Roman" panose="02020603050405020304" pitchFamily="18" charset="0"/>
+              <a:cs typeface="Times New Roman" panose="02020603050405020304" pitchFamily="18" charset="0"/>
             </a:endParaRPr>
           </a:p>
         </p:txBody>
@@ -17602,7 +17360,7 @@
         <p:spPr>
           <a:xfrm>
             <a:off x="5062643" y="254621"/>
-            <a:ext cx="3979166" cy="646331"/>
+            <a:ext cx="4331314" cy="646331"/>
           </a:xfrm>
           <a:prstGeom prst="rect">
             <a:avLst/>
@@ -17620,6 +17378,8 @@
                 <a:solidFill>
                   <a:srgbClr val="2FB5A5"/>
                 </a:solidFill>
+                <a:latin typeface="Times New Roman" panose="02020603050405020304" pitchFamily="18" charset="0"/>
+                <a:cs typeface="Times New Roman" panose="02020603050405020304" pitchFamily="18" charset="0"/>
               </a:rPr>
               <a:t>Background…cont’d</a:t>
             </a:r>
@@ -17627,8 +17387,8 @@
               <a:solidFill>
                 <a:srgbClr val="2FB5A5"/>
               </a:solidFill>
-              <a:latin typeface="Arial" panose="020B0604020202020204" pitchFamily="34" charset="0"/>
-              <a:cs typeface="Arial" panose="020B0604020202020204" pitchFamily="34" charset="0"/>
+              <a:latin typeface="Times New Roman" panose="02020603050405020304" pitchFamily="18" charset="0"/>
+              <a:cs typeface="Times New Roman" panose="02020603050405020304" pitchFamily="18" charset="0"/>
             </a:endParaRPr>
           </a:p>
         </p:txBody>
@@ -17909,7 +17669,7 @@
         <p:spPr>
           <a:xfrm>
             <a:off x="5062643" y="254621"/>
-            <a:ext cx="3979166" cy="646331"/>
+            <a:ext cx="4331314" cy="646331"/>
           </a:xfrm>
           <a:prstGeom prst="rect">
             <a:avLst/>
@@ -17927,6 +17687,8 @@
                 <a:solidFill>
                   <a:srgbClr val="2FB5A5"/>
                 </a:solidFill>
+                <a:latin typeface="Times New Roman" panose="02020603050405020304" pitchFamily="18" charset="0"/>
+                <a:cs typeface="Times New Roman" panose="02020603050405020304" pitchFamily="18" charset="0"/>
               </a:rPr>
               <a:t>Background…cont’d</a:t>
             </a:r>
@@ -17934,8 +17696,8 @@
               <a:solidFill>
                 <a:srgbClr val="2FB5A5"/>
               </a:solidFill>
-              <a:latin typeface="Arial" panose="020B0604020202020204" pitchFamily="34" charset="0"/>
-              <a:cs typeface="Arial" panose="020B0604020202020204" pitchFamily="34" charset="0"/>
+              <a:latin typeface="Times New Roman" panose="02020603050405020304" pitchFamily="18" charset="0"/>
+              <a:cs typeface="Times New Roman" panose="02020603050405020304" pitchFamily="18" charset="0"/>
             </a:endParaRPr>
           </a:p>
         </p:txBody>
@@ -18192,7 +17954,7 @@
         <p:spPr>
           <a:xfrm>
             <a:off x="5062643" y="254621"/>
-            <a:ext cx="3979166" cy="646331"/>
+            <a:ext cx="4331314" cy="646331"/>
           </a:xfrm>
           <a:prstGeom prst="rect">
             <a:avLst/>
@@ -18210,6 +17972,8 @@
                 <a:solidFill>
                   <a:srgbClr val="2FB5A5"/>
                 </a:solidFill>
+                <a:latin typeface="Times New Roman" panose="02020603050405020304" pitchFamily="18" charset="0"/>
+                <a:cs typeface="Times New Roman" panose="02020603050405020304" pitchFamily="18" charset="0"/>
               </a:rPr>
               <a:t>Background…cont’d</a:t>
             </a:r>
@@ -18217,8 +17981,8 @@
               <a:solidFill>
                 <a:srgbClr val="2FB5A5"/>
               </a:solidFill>
-              <a:latin typeface="Arial" panose="020B0604020202020204" pitchFamily="34" charset="0"/>
-              <a:cs typeface="Arial" panose="020B0604020202020204" pitchFamily="34" charset="0"/>
+              <a:latin typeface="Times New Roman" panose="02020603050405020304" pitchFamily="18" charset="0"/>
+              <a:cs typeface="Times New Roman" panose="02020603050405020304" pitchFamily="18" charset="0"/>
             </a:endParaRPr>
           </a:p>
         </p:txBody>
@@ -18505,7 +18269,7 @@
         <p:spPr>
           <a:xfrm>
             <a:off x="5062643" y="254621"/>
-            <a:ext cx="3979166" cy="646331"/>
+            <a:ext cx="4331314" cy="646331"/>
           </a:xfrm>
           <a:prstGeom prst="rect">
             <a:avLst/>
@@ -18523,6 +18287,8 @@
                 <a:solidFill>
                   <a:srgbClr val="2FB5A5"/>
                 </a:solidFill>
+                <a:latin typeface="Times New Roman" panose="02020603050405020304" pitchFamily="18" charset="0"/>
+                <a:cs typeface="Times New Roman" panose="02020603050405020304" pitchFamily="18" charset="0"/>
               </a:rPr>
               <a:t>Background…cont’d</a:t>
             </a:r>
@@ -18530,8 +18296,8 @@
               <a:solidFill>
                 <a:srgbClr val="2FB5A5"/>
               </a:solidFill>
-              <a:latin typeface="Arial" panose="020B0604020202020204" pitchFamily="34" charset="0"/>
-              <a:cs typeface="Arial" panose="020B0604020202020204" pitchFamily="34" charset="0"/>
+              <a:latin typeface="Times New Roman" panose="02020603050405020304" pitchFamily="18" charset="0"/>
+              <a:cs typeface="Times New Roman" panose="02020603050405020304" pitchFamily="18" charset="0"/>
             </a:endParaRPr>
           </a:p>
         </p:txBody>
